--- a/돈과 공주와 용병 프로젝트/191225_시점과 조작.pptx
+++ b/돈과 공주와 용병 프로젝트/191225_시점과 조작.pptx
@@ -5,10 +5,12 @@
     <p:sldMasterId id="2147483648" r:id="rId1"/>
   </p:sldMasterIdLst>
   <p:notesMasterIdLst>
-    <p:notesMasterId r:id="rId3"/>
+    <p:notesMasterId r:id="rId5"/>
   </p:notesMasterIdLst>
   <p:sldIdLst>
     <p:sldId id="256" r:id="rId2"/>
+    <p:sldId id="258" r:id="rId3"/>
+    <p:sldId id="259" r:id="rId4"/>
   </p:sldIdLst>
   <p:sldSz cx="9144000" cy="6858000" type="screen4x3"/>
   <p:notesSz cx="6858000" cy="9144000"/>
@@ -192,7 +194,7 @@
           <a:p>
             <a:fld id="{B5636EAD-BFF3-4707-844B-CBD6F253F763}" type="datetimeFigureOut">
               <a:rPr lang="ko-KR" altLang="en-US" smtClean="0"/>
-              <a:t>2019-12-25</a:t>
+              <a:t>2020-01-01</a:t>
             </a:fld>
             <a:endParaRPr lang="ko-KR" altLang="en-US"/>
           </a:p>
@@ -725,7 +727,7 @@
           <a:p>
             <a:fld id="{C0484DAC-3026-4AB8-9A72-95EF8B789A9E}" type="datetimeFigureOut">
               <a:rPr lang="ko-KR" altLang="en-US" smtClean="0"/>
-              <a:t>2019-12-25</a:t>
+              <a:t>2020-01-01</a:t>
             </a:fld>
             <a:endParaRPr lang="ko-KR" altLang="en-US"/>
           </a:p>
@@ -895,7 +897,7 @@
           <a:p>
             <a:fld id="{C0484DAC-3026-4AB8-9A72-95EF8B789A9E}" type="datetimeFigureOut">
               <a:rPr lang="ko-KR" altLang="en-US" smtClean="0"/>
-              <a:t>2019-12-25</a:t>
+              <a:t>2020-01-01</a:t>
             </a:fld>
             <a:endParaRPr lang="ko-KR" altLang="en-US"/>
           </a:p>
@@ -1075,7 +1077,7 @@
           <a:p>
             <a:fld id="{C0484DAC-3026-4AB8-9A72-95EF8B789A9E}" type="datetimeFigureOut">
               <a:rPr lang="ko-KR" altLang="en-US" smtClean="0"/>
-              <a:t>2019-12-25</a:t>
+              <a:t>2020-01-01</a:t>
             </a:fld>
             <a:endParaRPr lang="ko-KR" altLang="en-US"/>
           </a:p>
@@ -1245,7 +1247,7 @@
           <a:p>
             <a:fld id="{C0484DAC-3026-4AB8-9A72-95EF8B789A9E}" type="datetimeFigureOut">
               <a:rPr lang="ko-KR" altLang="en-US" smtClean="0"/>
-              <a:t>2019-12-25</a:t>
+              <a:t>2020-01-01</a:t>
             </a:fld>
             <a:endParaRPr lang="ko-KR" altLang="en-US"/>
           </a:p>
@@ -1491,7 +1493,7 @@
           <a:p>
             <a:fld id="{C0484DAC-3026-4AB8-9A72-95EF8B789A9E}" type="datetimeFigureOut">
               <a:rPr lang="ko-KR" altLang="en-US" smtClean="0"/>
-              <a:t>2019-12-25</a:t>
+              <a:t>2020-01-01</a:t>
             </a:fld>
             <a:endParaRPr lang="ko-KR" altLang="en-US"/>
           </a:p>
@@ -1779,7 +1781,7 @@
           <a:p>
             <a:fld id="{C0484DAC-3026-4AB8-9A72-95EF8B789A9E}" type="datetimeFigureOut">
               <a:rPr lang="ko-KR" altLang="en-US" smtClean="0"/>
-              <a:t>2019-12-25</a:t>
+              <a:t>2020-01-01</a:t>
             </a:fld>
             <a:endParaRPr lang="ko-KR" altLang="en-US"/>
           </a:p>
@@ -2201,7 +2203,7 @@
           <a:p>
             <a:fld id="{C0484DAC-3026-4AB8-9A72-95EF8B789A9E}" type="datetimeFigureOut">
               <a:rPr lang="ko-KR" altLang="en-US" smtClean="0"/>
-              <a:t>2019-12-25</a:t>
+              <a:t>2020-01-01</a:t>
             </a:fld>
             <a:endParaRPr lang="ko-KR" altLang="en-US"/>
           </a:p>
@@ -2319,7 +2321,7 @@
           <a:p>
             <a:fld id="{C0484DAC-3026-4AB8-9A72-95EF8B789A9E}" type="datetimeFigureOut">
               <a:rPr lang="ko-KR" altLang="en-US" smtClean="0"/>
-              <a:t>2019-12-25</a:t>
+              <a:t>2020-01-01</a:t>
             </a:fld>
             <a:endParaRPr lang="ko-KR" altLang="en-US"/>
           </a:p>
@@ -2414,7 +2416,7 @@
           <a:p>
             <a:fld id="{C0484DAC-3026-4AB8-9A72-95EF8B789A9E}" type="datetimeFigureOut">
               <a:rPr lang="ko-KR" altLang="en-US" smtClean="0"/>
-              <a:t>2019-12-25</a:t>
+              <a:t>2020-01-01</a:t>
             </a:fld>
             <a:endParaRPr lang="ko-KR" altLang="en-US"/>
           </a:p>
@@ -2691,7 +2693,7 @@
           <a:p>
             <a:fld id="{C0484DAC-3026-4AB8-9A72-95EF8B789A9E}" type="datetimeFigureOut">
               <a:rPr lang="ko-KR" altLang="en-US" smtClean="0"/>
-              <a:t>2019-12-25</a:t>
+              <a:t>2020-01-01</a:t>
             </a:fld>
             <a:endParaRPr lang="ko-KR" altLang="en-US"/>
           </a:p>
@@ -2944,7 +2946,7 @@
           <a:p>
             <a:fld id="{C0484DAC-3026-4AB8-9A72-95EF8B789A9E}" type="datetimeFigureOut">
               <a:rPr lang="ko-KR" altLang="en-US" smtClean="0"/>
-              <a:t>2019-12-25</a:t>
+              <a:t>2020-01-01</a:t>
             </a:fld>
             <a:endParaRPr lang="ko-KR" altLang="en-US"/>
           </a:p>
@@ -3157,7 +3159,7 @@
           <a:p>
             <a:fld id="{C0484DAC-3026-4AB8-9A72-95EF8B789A9E}" type="datetimeFigureOut">
               <a:rPr lang="ko-KR" altLang="en-US" smtClean="0"/>
-              <a:t>2019-12-25</a:t>
+              <a:t>2020-01-01</a:t>
             </a:fld>
             <a:endParaRPr lang="ko-KR" altLang="en-US"/>
           </a:p>
@@ -3532,6 +3534,54 @@
           <a:chExt cx="0" cy="0"/>
         </a:xfrm>
       </p:grpSpPr>
+      <p:sp>
+        <p:nvSpPr>
+          <p:cNvPr id="2" name="직사각형 1"/>
+          <p:cNvSpPr/>
+          <p:nvPr/>
+        </p:nvSpPr>
+        <p:spPr>
+          <a:xfrm>
+            <a:off x="0" y="0"/>
+            <a:ext cx="9144000" cy="6858000"/>
+          </a:xfrm>
+          <a:prstGeom prst="rect">
+            <a:avLst/>
+          </a:prstGeom>
+          <a:solidFill>
+            <a:schemeClr val="bg1"/>
+          </a:solidFill>
+          <a:ln>
+            <a:solidFill>
+              <a:schemeClr val="bg1"/>
+            </a:solidFill>
+          </a:ln>
+        </p:spPr>
+        <p:style>
+          <a:lnRef idx="2">
+            <a:schemeClr val="accent1">
+              <a:shade val="50000"/>
+            </a:schemeClr>
+          </a:lnRef>
+          <a:fillRef idx="1">
+            <a:schemeClr val="accent1"/>
+          </a:fillRef>
+          <a:effectRef idx="0">
+            <a:schemeClr val="accent1"/>
+          </a:effectRef>
+          <a:fontRef idx="minor">
+            <a:schemeClr val="lt1"/>
+          </a:fontRef>
+        </p:style>
+        <p:txBody>
+          <a:bodyPr rtlCol="0" anchor="ctr"/>
+          <a:lstStyle/>
+          <a:p>
+            <a:pPr algn="ctr"/>
+            <a:endParaRPr lang="ko-KR" altLang="en-US"/>
+          </a:p>
+        </p:txBody>
+      </p:sp>
       <p:sp>
         <p:nvSpPr>
           <p:cNvPr id="7" name="오른쪽 화살표 6"/>
@@ -6744,6 +6794,3651 @@
 </p:sld>
 </file>
 
+<file path=ppt/slides/slide2.xml><?xml version="1.0" encoding="utf-8"?>
+<p:sld xmlns:a="http://schemas.openxmlformats.org/drawingml/2006/main" xmlns:r="http://schemas.openxmlformats.org/officeDocument/2006/relationships" xmlns:p="http://schemas.openxmlformats.org/presentationml/2006/main">
+  <p:cSld>
+    <p:spTree>
+      <p:nvGrpSpPr>
+        <p:cNvPr id="1" name=""/>
+        <p:cNvGrpSpPr/>
+        <p:nvPr/>
+      </p:nvGrpSpPr>
+      <p:grpSpPr>
+        <a:xfrm>
+          <a:off x="0" y="0"/>
+          <a:ext cx="0" cy="0"/>
+          <a:chOff x="0" y="0"/>
+          <a:chExt cx="0" cy="0"/>
+        </a:xfrm>
+      </p:grpSpPr>
+      <p:sp>
+        <p:nvSpPr>
+          <p:cNvPr id="4" name="직사각형 3"/>
+          <p:cNvSpPr/>
+          <p:nvPr/>
+        </p:nvSpPr>
+        <p:spPr>
+          <a:xfrm>
+            <a:off x="0" y="0"/>
+            <a:ext cx="9144000" cy="6858000"/>
+          </a:xfrm>
+          <a:prstGeom prst="rect">
+            <a:avLst/>
+          </a:prstGeom>
+          <a:solidFill>
+            <a:schemeClr val="bg1"/>
+          </a:solidFill>
+          <a:ln>
+            <a:solidFill>
+              <a:schemeClr val="bg1"/>
+            </a:solidFill>
+          </a:ln>
+        </p:spPr>
+        <p:style>
+          <a:lnRef idx="2">
+            <a:schemeClr val="accent1">
+              <a:shade val="50000"/>
+            </a:schemeClr>
+          </a:lnRef>
+          <a:fillRef idx="1">
+            <a:schemeClr val="accent1"/>
+          </a:fillRef>
+          <a:effectRef idx="0">
+            <a:schemeClr val="accent1"/>
+          </a:effectRef>
+          <a:fontRef idx="minor">
+            <a:schemeClr val="lt1"/>
+          </a:fontRef>
+        </p:style>
+        <p:txBody>
+          <a:bodyPr rtlCol="0" anchor="ctr"/>
+          <a:lstStyle/>
+          <a:p>
+            <a:pPr algn="ctr"/>
+            <a:endParaRPr lang="ko-KR" altLang="en-US"/>
+          </a:p>
+        </p:txBody>
+      </p:sp>
+      <p:grpSp>
+        <p:nvGrpSpPr>
+          <p:cNvPr id="43" name="그룹 42"/>
+          <p:cNvGrpSpPr/>
+          <p:nvPr/>
+        </p:nvGrpSpPr>
+        <p:grpSpPr>
+          <a:xfrm>
+            <a:off x="4682078" y="1457477"/>
+            <a:ext cx="686690" cy="1268953"/>
+            <a:chOff x="5094058" y="744115"/>
+            <a:chExt cx="1285908" cy="2376264"/>
+          </a:xfrm>
+        </p:grpSpPr>
+        <p:grpSp>
+          <p:nvGrpSpPr>
+            <p:cNvPr id="17" name="그룹 16"/>
+            <p:cNvGrpSpPr/>
+            <p:nvPr/>
+          </p:nvGrpSpPr>
+          <p:grpSpPr>
+            <a:xfrm>
+              <a:off x="5364088" y="2256283"/>
+              <a:ext cx="540060" cy="864096"/>
+              <a:chOff x="3579684" y="3645024"/>
+              <a:chExt cx="540060" cy="864096"/>
+            </a:xfrm>
+          </p:grpSpPr>
+          <p:sp>
+            <p:nvSpPr>
+              <p:cNvPr id="18" name="직사각형 17"/>
+              <p:cNvSpPr/>
+              <p:nvPr/>
+            </p:nvSpPr>
+            <p:spPr>
+              <a:xfrm>
+                <a:off x="3579684" y="3645024"/>
+                <a:ext cx="540060" cy="432048"/>
+              </a:xfrm>
+              <a:prstGeom prst="rect">
+                <a:avLst/>
+              </a:prstGeom>
+            </p:spPr>
+            <p:style>
+              <a:lnRef idx="2">
+                <a:schemeClr val="accent1">
+                  <a:shade val="50000"/>
+                </a:schemeClr>
+              </a:lnRef>
+              <a:fillRef idx="1">
+                <a:schemeClr val="accent1"/>
+              </a:fillRef>
+              <a:effectRef idx="0">
+                <a:schemeClr val="accent1"/>
+              </a:effectRef>
+              <a:fontRef idx="minor">
+                <a:schemeClr val="lt1"/>
+              </a:fontRef>
+            </p:style>
+            <p:txBody>
+              <a:bodyPr rtlCol="0" anchor="ctr"/>
+              <a:lstStyle/>
+              <a:p>
+                <a:pPr algn="ctr"/>
+                <a:endParaRPr lang="ko-KR" altLang="en-US"/>
+              </a:p>
+            </p:txBody>
+          </p:sp>
+          <p:sp>
+            <p:nvSpPr>
+              <p:cNvPr id="19" name="직사각형 18"/>
+              <p:cNvSpPr/>
+              <p:nvPr/>
+            </p:nvSpPr>
+            <p:spPr>
+              <a:xfrm>
+                <a:off x="3579684" y="4077072"/>
+                <a:ext cx="193346" cy="432048"/>
+              </a:xfrm>
+              <a:prstGeom prst="rect">
+                <a:avLst/>
+              </a:prstGeom>
+            </p:spPr>
+            <p:style>
+              <a:lnRef idx="2">
+                <a:schemeClr val="accent1">
+                  <a:shade val="50000"/>
+                </a:schemeClr>
+              </a:lnRef>
+              <a:fillRef idx="1">
+                <a:schemeClr val="accent1"/>
+              </a:fillRef>
+              <a:effectRef idx="0">
+                <a:schemeClr val="accent1"/>
+              </a:effectRef>
+              <a:fontRef idx="minor">
+                <a:schemeClr val="lt1"/>
+              </a:fontRef>
+            </p:style>
+            <p:txBody>
+              <a:bodyPr rtlCol="0" anchor="ctr"/>
+              <a:lstStyle/>
+              <a:p>
+                <a:pPr algn="ctr"/>
+                <a:endParaRPr lang="ko-KR" altLang="en-US"/>
+              </a:p>
+            </p:txBody>
+          </p:sp>
+          <p:sp>
+            <p:nvSpPr>
+              <p:cNvPr id="20" name="직사각형 19"/>
+              <p:cNvSpPr/>
+              <p:nvPr/>
+            </p:nvSpPr>
+            <p:spPr>
+              <a:xfrm>
+                <a:off x="3925430" y="4077072"/>
+                <a:ext cx="193346" cy="432048"/>
+              </a:xfrm>
+              <a:prstGeom prst="rect">
+                <a:avLst/>
+              </a:prstGeom>
+            </p:spPr>
+            <p:style>
+              <a:lnRef idx="2">
+                <a:schemeClr val="accent1">
+                  <a:shade val="50000"/>
+                </a:schemeClr>
+              </a:lnRef>
+              <a:fillRef idx="1">
+                <a:schemeClr val="accent1"/>
+              </a:fillRef>
+              <a:effectRef idx="0">
+                <a:schemeClr val="accent1"/>
+              </a:effectRef>
+              <a:fontRef idx="minor">
+                <a:schemeClr val="lt1"/>
+              </a:fontRef>
+            </p:style>
+            <p:txBody>
+              <a:bodyPr rtlCol="0" anchor="ctr"/>
+              <a:lstStyle/>
+              <a:p>
+                <a:pPr algn="ctr"/>
+                <a:endParaRPr lang="ko-KR" altLang="en-US"/>
+              </a:p>
+            </p:txBody>
+          </p:sp>
+        </p:grpSp>
+        <p:grpSp>
+          <p:nvGrpSpPr>
+            <p:cNvPr id="21" name="그룹 20"/>
+            <p:cNvGrpSpPr/>
+            <p:nvPr/>
+          </p:nvGrpSpPr>
+          <p:grpSpPr>
+            <a:xfrm>
+              <a:off x="5094058" y="744115"/>
+              <a:ext cx="1285908" cy="1722895"/>
+              <a:chOff x="3309654" y="2132856"/>
+              <a:chExt cx="1285908" cy="1722895"/>
+            </a:xfrm>
+          </p:grpSpPr>
+          <p:sp>
+            <p:nvSpPr>
+              <p:cNvPr id="22" name="직사각형 21"/>
+              <p:cNvSpPr/>
+              <p:nvPr/>
+            </p:nvSpPr>
+            <p:spPr>
+              <a:xfrm rot="2078953">
+                <a:off x="3408993" y="3207679"/>
+                <a:ext cx="183523" cy="648072"/>
+              </a:xfrm>
+              <a:prstGeom prst="rect">
+                <a:avLst/>
+              </a:prstGeom>
+            </p:spPr>
+            <p:style>
+              <a:lnRef idx="2">
+                <a:schemeClr val="accent1">
+                  <a:shade val="50000"/>
+                </a:schemeClr>
+              </a:lnRef>
+              <a:fillRef idx="1">
+                <a:schemeClr val="accent1"/>
+              </a:fillRef>
+              <a:effectRef idx="0">
+                <a:schemeClr val="accent1"/>
+              </a:effectRef>
+              <a:fontRef idx="minor">
+                <a:schemeClr val="lt1"/>
+              </a:fontRef>
+            </p:style>
+            <p:txBody>
+              <a:bodyPr rtlCol="0" anchor="ctr"/>
+              <a:lstStyle/>
+              <a:p>
+                <a:pPr algn="ctr"/>
+                <a:endParaRPr lang="ko-KR" altLang="en-US"/>
+              </a:p>
+            </p:txBody>
+          </p:sp>
+          <p:sp>
+            <p:nvSpPr>
+              <p:cNvPr id="23" name="타원 22"/>
+              <p:cNvSpPr/>
+              <p:nvPr/>
+            </p:nvSpPr>
+            <p:spPr>
+              <a:xfrm>
+                <a:off x="3309654" y="2132856"/>
+                <a:ext cx="1080120" cy="1080120"/>
+              </a:xfrm>
+              <a:prstGeom prst="ellipse">
+                <a:avLst/>
+              </a:prstGeom>
+            </p:spPr>
+            <p:style>
+              <a:lnRef idx="2">
+                <a:schemeClr val="accent1">
+                  <a:shade val="50000"/>
+                </a:schemeClr>
+              </a:lnRef>
+              <a:fillRef idx="1">
+                <a:schemeClr val="accent1"/>
+              </a:fillRef>
+              <a:effectRef idx="0">
+                <a:schemeClr val="accent1"/>
+              </a:effectRef>
+              <a:fontRef idx="minor">
+                <a:schemeClr val="lt1"/>
+              </a:fontRef>
+            </p:style>
+            <p:txBody>
+              <a:bodyPr rtlCol="0" anchor="ctr"/>
+              <a:lstStyle/>
+              <a:p>
+                <a:pPr algn="ctr"/>
+                <a:endParaRPr lang="ko-KR" altLang="en-US"/>
+              </a:p>
+            </p:txBody>
+          </p:sp>
+          <p:sp>
+            <p:nvSpPr>
+              <p:cNvPr id="24" name="직사각형 23"/>
+              <p:cNvSpPr/>
+              <p:nvPr/>
+            </p:nvSpPr>
+            <p:spPr>
+              <a:xfrm>
+                <a:off x="3579684" y="3212976"/>
+                <a:ext cx="540060" cy="432048"/>
+              </a:xfrm>
+              <a:prstGeom prst="rect">
+                <a:avLst/>
+              </a:prstGeom>
+            </p:spPr>
+            <p:style>
+              <a:lnRef idx="2">
+                <a:schemeClr val="accent1">
+                  <a:shade val="50000"/>
+                </a:schemeClr>
+              </a:lnRef>
+              <a:fillRef idx="1">
+                <a:schemeClr val="accent1"/>
+              </a:fillRef>
+              <a:effectRef idx="0">
+                <a:schemeClr val="accent1"/>
+              </a:effectRef>
+              <a:fontRef idx="minor">
+                <a:schemeClr val="lt1"/>
+              </a:fontRef>
+            </p:style>
+            <p:txBody>
+              <a:bodyPr rtlCol="0" anchor="ctr"/>
+              <a:lstStyle/>
+              <a:p>
+                <a:pPr algn="ctr"/>
+                <a:endParaRPr lang="ko-KR" altLang="en-US"/>
+              </a:p>
+            </p:txBody>
+          </p:sp>
+          <p:cxnSp>
+            <p:nvCxnSpPr>
+              <p:cNvPr id="25" name="직선 연결선 24"/>
+              <p:cNvCxnSpPr/>
+              <p:nvPr/>
+            </p:nvCxnSpPr>
+            <p:spPr>
+              <a:xfrm>
+                <a:off x="3345423" y="2463882"/>
+                <a:ext cx="310662" cy="0"/>
+              </a:xfrm>
+              <a:prstGeom prst="line">
+                <a:avLst/>
+              </a:prstGeom>
+            </p:spPr>
+            <p:style>
+              <a:lnRef idx="3">
+                <a:schemeClr val="dk1"/>
+              </a:lnRef>
+              <a:fillRef idx="0">
+                <a:schemeClr val="dk1"/>
+              </a:fillRef>
+              <a:effectRef idx="2">
+                <a:schemeClr val="dk1"/>
+              </a:effectRef>
+              <a:fontRef idx="minor">
+                <a:schemeClr val="tx1"/>
+              </a:fontRef>
+            </p:style>
+          </p:cxnSp>
+          <p:cxnSp>
+            <p:nvCxnSpPr>
+              <p:cNvPr id="26" name="직선 연결선 25"/>
+              <p:cNvCxnSpPr/>
+              <p:nvPr/>
+            </p:nvCxnSpPr>
+            <p:spPr>
+              <a:xfrm flipV="1">
+                <a:off x="3587116" y="2923539"/>
+                <a:ext cx="346714" cy="4814"/>
+              </a:xfrm>
+              <a:prstGeom prst="line">
+                <a:avLst/>
+              </a:prstGeom>
+            </p:spPr>
+            <p:style>
+              <a:lnRef idx="2">
+                <a:schemeClr val="dk1"/>
+              </a:lnRef>
+              <a:fillRef idx="0">
+                <a:schemeClr val="dk1"/>
+              </a:fillRef>
+              <a:effectRef idx="1">
+                <a:schemeClr val="dk1"/>
+              </a:effectRef>
+              <a:fontRef idx="minor">
+                <a:schemeClr val="tx1"/>
+              </a:fontRef>
+            </p:style>
+          </p:cxnSp>
+          <p:cxnSp>
+            <p:nvCxnSpPr>
+              <p:cNvPr id="27" name="직선 연결선 26"/>
+              <p:cNvCxnSpPr/>
+              <p:nvPr/>
+            </p:nvCxnSpPr>
+            <p:spPr>
+              <a:xfrm>
+                <a:off x="3824081" y="2463882"/>
+                <a:ext cx="396044" cy="0"/>
+              </a:xfrm>
+              <a:prstGeom prst="line">
+                <a:avLst/>
+              </a:prstGeom>
+            </p:spPr>
+            <p:style>
+              <a:lnRef idx="3">
+                <a:schemeClr val="dk1"/>
+              </a:lnRef>
+              <a:fillRef idx="0">
+                <a:schemeClr val="dk1"/>
+              </a:fillRef>
+              <a:effectRef idx="2">
+                <a:schemeClr val="dk1"/>
+              </a:effectRef>
+              <a:fontRef idx="minor">
+                <a:schemeClr val="tx1"/>
+              </a:fontRef>
+            </p:style>
+          </p:cxnSp>
+          <p:sp>
+            <p:nvSpPr>
+              <p:cNvPr id="28" name="직사각형 27"/>
+              <p:cNvSpPr/>
+              <p:nvPr/>
+            </p:nvSpPr>
+            <p:spPr>
+              <a:xfrm rot="18805362">
+                <a:off x="4176781" y="3207679"/>
+                <a:ext cx="189490" cy="648072"/>
+              </a:xfrm>
+              <a:prstGeom prst="rect">
+                <a:avLst/>
+              </a:prstGeom>
+            </p:spPr>
+            <p:style>
+              <a:lnRef idx="2">
+                <a:schemeClr val="accent1">
+                  <a:shade val="50000"/>
+                </a:schemeClr>
+              </a:lnRef>
+              <a:fillRef idx="1">
+                <a:schemeClr val="accent1"/>
+              </a:fillRef>
+              <a:effectRef idx="0">
+                <a:schemeClr val="accent1"/>
+              </a:effectRef>
+              <a:fontRef idx="minor">
+                <a:schemeClr val="lt1"/>
+              </a:fontRef>
+            </p:style>
+            <p:txBody>
+              <a:bodyPr rtlCol="0" anchor="ctr"/>
+              <a:lstStyle/>
+              <a:p>
+                <a:pPr algn="ctr"/>
+                <a:endParaRPr lang="ko-KR" altLang="en-US"/>
+              </a:p>
+            </p:txBody>
+          </p:sp>
+        </p:grpSp>
+      </p:grpSp>
+      <p:sp>
+        <p:nvSpPr>
+          <p:cNvPr id="41" name="직사각형 40"/>
+          <p:cNvSpPr/>
+          <p:nvPr/>
+        </p:nvSpPr>
+        <p:spPr>
+          <a:xfrm>
+            <a:off x="-1" y="0"/>
+            <a:ext cx="2171491" cy="548680"/>
+          </a:xfrm>
+          <a:prstGeom prst="rect">
+            <a:avLst/>
+          </a:prstGeom>
+          <a:noFill/>
+        </p:spPr>
+        <p:style>
+          <a:lnRef idx="2">
+            <a:schemeClr val="accent1">
+              <a:shade val="50000"/>
+            </a:schemeClr>
+          </a:lnRef>
+          <a:fillRef idx="1">
+            <a:schemeClr val="accent1"/>
+          </a:fillRef>
+          <a:effectRef idx="0">
+            <a:schemeClr val="accent1"/>
+          </a:effectRef>
+          <a:fontRef idx="minor">
+            <a:schemeClr val="lt1"/>
+          </a:fontRef>
+        </p:style>
+        <p:txBody>
+          <a:bodyPr rtlCol="0" anchor="ctr"/>
+          <a:lstStyle/>
+          <a:p>
+            <a:pPr algn="ctr"/>
+            <a:r>
+              <a:rPr lang="ko-KR" altLang="en-US" dirty="0" smtClean="0">
+                <a:solidFill>
+                  <a:sysClr val="windowText" lastClr="000000"/>
+                </a:solidFill>
+              </a:rPr>
+              <a:t>필드</a:t>
+            </a:r>
+            <a:endParaRPr lang="en-US" altLang="ko-KR" dirty="0" smtClean="0">
+              <a:solidFill>
+                <a:sysClr val="windowText" lastClr="000000"/>
+              </a:solidFill>
+            </a:endParaRPr>
+          </a:p>
+        </p:txBody>
+      </p:sp>
+      <p:sp>
+        <p:nvSpPr>
+          <p:cNvPr id="42" name="직사각형 41"/>
+          <p:cNvSpPr/>
+          <p:nvPr/>
+        </p:nvSpPr>
+        <p:spPr>
+          <a:xfrm>
+            <a:off x="0" y="3124355"/>
+            <a:ext cx="5360638" cy="3232276"/>
+          </a:xfrm>
+          <a:prstGeom prst="rect">
+            <a:avLst/>
+          </a:prstGeom>
+          <a:noFill/>
+        </p:spPr>
+        <p:style>
+          <a:lnRef idx="2">
+            <a:schemeClr val="accent1">
+              <a:shade val="50000"/>
+            </a:schemeClr>
+          </a:lnRef>
+          <a:fillRef idx="1">
+            <a:schemeClr val="accent1"/>
+          </a:fillRef>
+          <a:effectRef idx="0">
+            <a:schemeClr val="accent1"/>
+          </a:effectRef>
+          <a:fontRef idx="minor">
+            <a:schemeClr val="lt1"/>
+          </a:fontRef>
+        </p:style>
+        <p:txBody>
+          <a:bodyPr rtlCol="0" anchor="ctr"/>
+          <a:lstStyle/>
+          <a:p>
+            <a:pPr algn="ctr"/>
+            <a:endParaRPr lang="ko-KR" altLang="en-US"/>
+          </a:p>
+        </p:txBody>
+      </p:sp>
+      <p:grpSp>
+        <p:nvGrpSpPr>
+          <p:cNvPr id="44" name="그룹 43"/>
+          <p:cNvGrpSpPr/>
+          <p:nvPr/>
+        </p:nvGrpSpPr>
+        <p:grpSpPr>
+          <a:xfrm>
+            <a:off x="2336974" y="4106016"/>
+            <a:ext cx="686690" cy="1268953"/>
+            <a:chOff x="5094058" y="744115"/>
+            <a:chExt cx="1285908" cy="2376264"/>
+          </a:xfrm>
+        </p:grpSpPr>
+        <p:grpSp>
+          <p:nvGrpSpPr>
+            <p:cNvPr id="45" name="그룹 44"/>
+            <p:cNvGrpSpPr/>
+            <p:nvPr/>
+          </p:nvGrpSpPr>
+          <p:grpSpPr>
+            <a:xfrm>
+              <a:off x="5364088" y="2256283"/>
+              <a:ext cx="540060" cy="864096"/>
+              <a:chOff x="3579684" y="3645024"/>
+              <a:chExt cx="540060" cy="864096"/>
+            </a:xfrm>
+          </p:grpSpPr>
+          <p:sp>
+            <p:nvSpPr>
+              <p:cNvPr id="54" name="직사각형 53"/>
+              <p:cNvSpPr/>
+              <p:nvPr/>
+            </p:nvSpPr>
+            <p:spPr>
+              <a:xfrm>
+                <a:off x="3579684" y="3645024"/>
+                <a:ext cx="540060" cy="432048"/>
+              </a:xfrm>
+              <a:prstGeom prst="rect">
+                <a:avLst/>
+              </a:prstGeom>
+            </p:spPr>
+            <p:style>
+              <a:lnRef idx="2">
+                <a:schemeClr val="accent1">
+                  <a:shade val="50000"/>
+                </a:schemeClr>
+              </a:lnRef>
+              <a:fillRef idx="1">
+                <a:schemeClr val="accent1"/>
+              </a:fillRef>
+              <a:effectRef idx="0">
+                <a:schemeClr val="accent1"/>
+              </a:effectRef>
+              <a:fontRef idx="minor">
+                <a:schemeClr val="lt1"/>
+              </a:fontRef>
+            </p:style>
+            <p:txBody>
+              <a:bodyPr rtlCol="0" anchor="ctr"/>
+              <a:lstStyle/>
+              <a:p>
+                <a:pPr algn="ctr"/>
+                <a:endParaRPr lang="ko-KR" altLang="en-US"/>
+              </a:p>
+            </p:txBody>
+          </p:sp>
+          <p:sp>
+            <p:nvSpPr>
+              <p:cNvPr id="55" name="직사각형 54"/>
+              <p:cNvSpPr/>
+              <p:nvPr/>
+            </p:nvSpPr>
+            <p:spPr>
+              <a:xfrm>
+                <a:off x="3579684" y="4077072"/>
+                <a:ext cx="193346" cy="432048"/>
+              </a:xfrm>
+              <a:prstGeom prst="rect">
+                <a:avLst/>
+              </a:prstGeom>
+            </p:spPr>
+            <p:style>
+              <a:lnRef idx="2">
+                <a:schemeClr val="accent1">
+                  <a:shade val="50000"/>
+                </a:schemeClr>
+              </a:lnRef>
+              <a:fillRef idx="1">
+                <a:schemeClr val="accent1"/>
+              </a:fillRef>
+              <a:effectRef idx="0">
+                <a:schemeClr val="accent1"/>
+              </a:effectRef>
+              <a:fontRef idx="minor">
+                <a:schemeClr val="lt1"/>
+              </a:fontRef>
+            </p:style>
+            <p:txBody>
+              <a:bodyPr rtlCol="0" anchor="ctr"/>
+              <a:lstStyle/>
+              <a:p>
+                <a:pPr algn="ctr"/>
+                <a:endParaRPr lang="ko-KR" altLang="en-US"/>
+              </a:p>
+            </p:txBody>
+          </p:sp>
+          <p:sp>
+            <p:nvSpPr>
+              <p:cNvPr id="56" name="직사각형 55"/>
+              <p:cNvSpPr/>
+              <p:nvPr/>
+            </p:nvSpPr>
+            <p:spPr>
+              <a:xfrm>
+                <a:off x="3925430" y="4077072"/>
+                <a:ext cx="193346" cy="432048"/>
+              </a:xfrm>
+              <a:prstGeom prst="rect">
+                <a:avLst/>
+              </a:prstGeom>
+            </p:spPr>
+            <p:style>
+              <a:lnRef idx="2">
+                <a:schemeClr val="accent1">
+                  <a:shade val="50000"/>
+                </a:schemeClr>
+              </a:lnRef>
+              <a:fillRef idx="1">
+                <a:schemeClr val="accent1"/>
+              </a:fillRef>
+              <a:effectRef idx="0">
+                <a:schemeClr val="accent1"/>
+              </a:effectRef>
+              <a:fontRef idx="minor">
+                <a:schemeClr val="lt1"/>
+              </a:fontRef>
+            </p:style>
+            <p:txBody>
+              <a:bodyPr rtlCol="0" anchor="ctr"/>
+              <a:lstStyle/>
+              <a:p>
+                <a:pPr algn="ctr"/>
+                <a:endParaRPr lang="ko-KR" altLang="en-US"/>
+              </a:p>
+            </p:txBody>
+          </p:sp>
+        </p:grpSp>
+        <p:grpSp>
+          <p:nvGrpSpPr>
+            <p:cNvPr id="46" name="그룹 45"/>
+            <p:cNvGrpSpPr/>
+            <p:nvPr/>
+          </p:nvGrpSpPr>
+          <p:grpSpPr>
+            <a:xfrm>
+              <a:off x="5094058" y="744115"/>
+              <a:ext cx="1285908" cy="1722895"/>
+              <a:chOff x="3309654" y="2132856"/>
+              <a:chExt cx="1285908" cy="1722895"/>
+            </a:xfrm>
+          </p:grpSpPr>
+          <p:sp>
+            <p:nvSpPr>
+              <p:cNvPr id="47" name="직사각형 46"/>
+              <p:cNvSpPr/>
+              <p:nvPr/>
+            </p:nvSpPr>
+            <p:spPr>
+              <a:xfrm rot="2078953">
+                <a:off x="3408993" y="3207679"/>
+                <a:ext cx="183523" cy="648072"/>
+              </a:xfrm>
+              <a:prstGeom prst="rect">
+                <a:avLst/>
+              </a:prstGeom>
+            </p:spPr>
+            <p:style>
+              <a:lnRef idx="2">
+                <a:schemeClr val="accent1">
+                  <a:shade val="50000"/>
+                </a:schemeClr>
+              </a:lnRef>
+              <a:fillRef idx="1">
+                <a:schemeClr val="accent1"/>
+              </a:fillRef>
+              <a:effectRef idx="0">
+                <a:schemeClr val="accent1"/>
+              </a:effectRef>
+              <a:fontRef idx="minor">
+                <a:schemeClr val="lt1"/>
+              </a:fontRef>
+            </p:style>
+            <p:txBody>
+              <a:bodyPr rtlCol="0" anchor="ctr"/>
+              <a:lstStyle/>
+              <a:p>
+                <a:pPr algn="ctr"/>
+                <a:endParaRPr lang="ko-KR" altLang="en-US"/>
+              </a:p>
+            </p:txBody>
+          </p:sp>
+          <p:sp>
+            <p:nvSpPr>
+              <p:cNvPr id="48" name="타원 47"/>
+              <p:cNvSpPr/>
+              <p:nvPr/>
+            </p:nvSpPr>
+            <p:spPr>
+              <a:xfrm>
+                <a:off x="3309654" y="2132856"/>
+                <a:ext cx="1080120" cy="1080120"/>
+              </a:xfrm>
+              <a:prstGeom prst="ellipse">
+                <a:avLst/>
+              </a:prstGeom>
+            </p:spPr>
+            <p:style>
+              <a:lnRef idx="2">
+                <a:schemeClr val="accent1">
+                  <a:shade val="50000"/>
+                </a:schemeClr>
+              </a:lnRef>
+              <a:fillRef idx="1">
+                <a:schemeClr val="accent1"/>
+              </a:fillRef>
+              <a:effectRef idx="0">
+                <a:schemeClr val="accent1"/>
+              </a:effectRef>
+              <a:fontRef idx="minor">
+                <a:schemeClr val="lt1"/>
+              </a:fontRef>
+            </p:style>
+            <p:txBody>
+              <a:bodyPr rtlCol="0" anchor="ctr"/>
+              <a:lstStyle/>
+              <a:p>
+                <a:pPr algn="ctr"/>
+                <a:endParaRPr lang="ko-KR" altLang="en-US"/>
+              </a:p>
+            </p:txBody>
+          </p:sp>
+          <p:sp>
+            <p:nvSpPr>
+              <p:cNvPr id="49" name="직사각형 48"/>
+              <p:cNvSpPr/>
+              <p:nvPr/>
+            </p:nvSpPr>
+            <p:spPr>
+              <a:xfrm>
+                <a:off x="3579684" y="3212976"/>
+                <a:ext cx="540060" cy="432048"/>
+              </a:xfrm>
+              <a:prstGeom prst="rect">
+                <a:avLst/>
+              </a:prstGeom>
+            </p:spPr>
+            <p:style>
+              <a:lnRef idx="2">
+                <a:schemeClr val="accent1">
+                  <a:shade val="50000"/>
+                </a:schemeClr>
+              </a:lnRef>
+              <a:fillRef idx="1">
+                <a:schemeClr val="accent1"/>
+              </a:fillRef>
+              <a:effectRef idx="0">
+                <a:schemeClr val="accent1"/>
+              </a:effectRef>
+              <a:fontRef idx="minor">
+                <a:schemeClr val="lt1"/>
+              </a:fontRef>
+            </p:style>
+            <p:txBody>
+              <a:bodyPr rtlCol="0" anchor="ctr"/>
+              <a:lstStyle/>
+              <a:p>
+                <a:pPr algn="ctr"/>
+                <a:endParaRPr lang="ko-KR" altLang="en-US"/>
+              </a:p>
+            </p:txBody>
+          </p:sp>
+          <p:cxnSp>
+            <p:nvCxnSpPr>
+              <p:cNvPr id="50" name="직선 연결선 49"/>
+              <p:cNvCxnSpPr/>
+              <p:nvPr/>
+            </p:nvCxnSpPr>
+            <p:spPr>
+              <a:xfrm>
+                <a:off x="3345423" y="2463882"/>
+                <a:ext cx="310662" cy="0"/>
+              </a:xfrm>
+              <a:prstGeom prst="line">
+                <a:avLst/>
+              </a:prstGeom>
+            </p:spPr>
+            <p:style>
+              <a:lnRef idx="3">
+                <a:schemeClr val="dk1"/>
+              </a:lnRef>
+              <a:fillRef idx="0">
+                <a:schemeClr val="dk1"/>
+              </a:fillRef>
+              <a:effectRef idx="2">
+                <a:schemeClr val="dk1"/>
+              </a:effectRef>
+              <a:fontRef idx="minor">
+                <a:schemeClr val="tx1"/>
+              </a:fontRef>
+            </p:style>
+          </p:cxnSp>
+          <p:cxnSp>
+            <p:nvCxnSpPr>
+              <p:cNvPr id="51" name="직선 연결선 50"/>
+              <p:cNvCxnSpPr/>
+              <p:nvPr/>
+            </p:nvCxnSpPr>
+            <p:spPr>
+              <a:xfrm flipV="1">
+                <a:off x="3587116" y="2923539"/>
+                <a:ext cx="346714" cy="4814"/>
+              </a:xfrm>
+              <a:prstGeom prst="line">
+                <a:avLst/>
+              </a:prstGeom>
+            </p:spPr>
+            <p:style>
+              <a:lnRef idx="2">
+                <a:schemeClr val="dk1"/>
+              </a:lnRef>
+              <a:fillRef idx="0">
+                <a:schemeClr val="dk1"/>
+              </a:fillRef>
+              <a:effectRef idx="1">
+                <a:schemeClr val="dk1"/>
+              </a:effectRef>
+              <a:fontRef idx="minor">
+                <a:schemeClr val="tx1"/>
+              </a:fontRef>
+            </p:style>
+          </p:cxnSp>
+          <p:cxnSp>
+            <p:nvCxnSpPr>
+              <p:cNvPr id="52" name="직선 연결선 51"/>
+              <p:cNvCxnSpPr/>
+              <p:nvPr/>
+            </p:nvCxnSpPr>
+            <p:spPr>
+              <a:xfrm>
+                <a:off x="3824081" y="2463882"/>
+                <a:ext cx="396044" cy="0"/>
+              </a:xfrm>
+              <a:prstGeom prst="line">
+                <a:avLst/>
+              </a:prstGeom>
+            </p:spPr>
+            <p:style>
+              <a:lnRef idx="3">
+                <a:schemeClr val="dk1"/>
+              </a:lnRef>
+              <a:fillRef idx="0">
+                <a:schemeClr val="dk1"/>
+              </a:fillRef>
+              <a:effectRef idx="2">
+                <a:schemeClr val="dk1"/>
+              </a:effectRef>
+              <a:fontRef idx="minor">
+                <a:schemeClr val="tx1"/>
+              </a:fontRef>
+            </p:style>
+          </p:cxnSp>
+          <p:sp>
+            <p:nvSpPr>
+              <p:cNvPr id="53" name="직사각형 52"/>
+              <p:cNvSpPr/>
+              <p:nvPr/>
+            </p:nvSpPr>
+            <p:spPr>
+              <a:xfrm rot="18805362">
+                <a:off x="4176781" y="3207679"/>
+                <a:ext cx="189490" cy="648072"/>
+              </a:xfrm>
+              <a:prstGeom prst="rect">
+                <a:avLst/>
+              </a:prstGeom>
+            </p:spPr>
+            <p:style>
+              <a:lnRef idx="2">
+                <a:schemeClr val="accent1">
+                  <a:shade val="50000"/>
+                </a:schemeClr>
+              </a:lnRef>
+              <a:fillRef idx="1">
+                <a:schemeClr val="accent1"/>
+              </a:fillRef>
+              <a:effectRef idx="0">
+                <a:schemeClr val="accent1"/>
+              </a:effectRef>
+              <a:fontRef idx="minor">
+                <a:schemeClr val="lt1"/>
+              </a:fontRef>
+            </p:style>
+            <p:txBody>
+              <a:bodyPr rtlCol="0" anchor="ctr"/>
+              <a:lstStyle/>
+              <a:p>
+                <a:pPr algn="ctr"/>
+                <a:endParaRPr lang="ko-KR" altLang="en-US"/>
+              </a:p>
+            </p:txBody>
+          </p:sp>
+        </p:grpSp>
+      </p:grpSp>
+      <p:sp>
+        <p:nvSpPr>
+          <p:cNvPr id="57" name="직사각형 56"/>
+          <p:cNvSpPr/>
+          <p:nvPr/>
+        </p:nvSpPr>
+        <p:spPr>
+          <a:xfrm>
+            <a:off x="-211" y="3124355"/>
+            <a:ext cx="2171491" cy="548680"/>
+          </a:xfrm>
+          <a:prstGeom prst="rect">
+            <a:avLst/>
+          </a:prstGeom>
+          <a:noFill/>
+        </p:spPr>
+        <p:style>
+          <a:lnRef idx="2">
+            <a:schemeClr val="accent1">
+              <a:shade val="50000"/>
+            </a:schemeClr>
+          </a:lnRef>
+          <a:fillRef idx="1">
+            <a:schemeClr val="accent1"/>
+          </a:fillRef>
+          <a:effectRef idx="0">
+            <a:schemeClr val="accent1"/>
+          </a:effectRef>
+          <a:fontRef idx="minor">
+            <a:schemeClr val="lt1"/>
+          </a:fontRef>
+        </p:style>
+        <p:txBody>
+          <a:bodyPr rtlCol="0" anchor="ctr"/>
+          <a:lstStyle/>
+          <a:p>
+            <a:pPr algn="ctr"/>
+            <a:r>
+              <a:rPr lang="ko-KR" altLang="en-US" dirty="0" smtClean="0">
+                <a:solidFill>
+                  <a:sysClr val="windowText" lastClr="000000"/>
+                </a:solidFill>
+              </a:rPr>
+              <a:t>게임 화면</a:t>
+            </a:r>
+            <a:endParaRPr lang="en-US" altLang="ko-KR" dirty="0" smtClean="0">
+              <a:solidFill>
+                <a:sysClr val="windowText" lastClr="000000"/>
+              </a:solidFill>
+            </a:endParaRPr>
+          </a:p>
+        </p:txBody>
+      </p:sp>
+      <p:grpSp>
+        <p:nvGrpSpPr>
+          <p:cNvPr id="58" name="그룹 57"/>
+          <p:cNvGrpSpPr/>
+          <p:nvPr/>
+        </p:nvGrpSpPr>
+        <p:grpSpPr>
+          <a:xfrm>
+            <a:off x="7181015" y="2449872"/>
+            <a:ext cx="686690" cy="1268953"/>
+            <a:chOff x="5094058" y="744115"/>
+            <a:chExt cx="1285908" cy="2376264"/>
+          </a:xfrm>
+        </p:grpSpPr>
+        <p:grpSp>
+          <p:nvGrpSpPr>
+            <p:cNvPr id="59" name="그룹 58"/>
+            <p:cNvGrpSpPr/>
+            <p:nvPr/>
+          </p:nvGrpSpPr>
+          <p:grpSpPr>
+            <a:xfrm>
+              <a:off x="5364088" y="2256283"/>
+              <a:ext cx="540060" cy="864096"/>
+              <a:chOff x="3579684" y="3645024"/>
+              <a:chExt cx="540060" cy="864096"/>
+            </a:xfrm>
+          </p:grpSpPr>
+          <p:sp>
+            <p:nvSpPr>
+              <p:cNvPr id="68" name="직사각형 67"/>
+              <p:cNvSpPr/>
+              <p:nvPr/>
+            </p:nvSpPr>
+            <p:spPr>
+              <a:xfrm>
+                <a:off x="3579684" y="3645024"/>
+                <a:ext cx="540060" cy="432048"/>
+              </a:xfrm>
+              <a:prstGeom prst="rect">
+                <a:avLst/>
+              </a:prstGeom>
+            </p:spPr>
+            <p:style>
+              <a:lnRef idx="2">
+                <a:schemeClr val="accent1">
+                  <a:shade val="50000"/>
+                </a:schemeClr>
+              </a:lnRef>
+              <a:fillRef idx="1">
+                <a:schemeClr val="accent1"/>
+              </a:fillRef>
+              <a:effectRef idx="0">
+                <a:schemeClr val="accent1"/>
+              </a:effectRef>
+              <a:fontRef idx="minor">
+                <a:schemeClr val="lt1"/>
+              </a:fontRef>
+            </p:style>
+            <p:txBody>
+              <a:bodyPr rtlCol="0" anchor="ctr"/>
+              <a:lstStyle/>
+              <a:p>
+                <a:pPr algn="ctr"/>
+                <a:endParaRPr lang="ko-KR" altLang="en-US"/>
+              </a:p>
+            </p:txBody>
+          </p:sp>
+          <p:sp>
+            <p:nvSpPr>
+              <p:cNvPr id="69" name="직사각형 68"/>
+              <p:cNvSpPr/>
+              <p:nvPr/>
+            </p:nvSpPr>
+            <p:spPr>
+              <a:xfrm>
+                <a:off x="3579684" y="4077072"/>
+                <a:ext cx="193346" cy="432048"/>
+              </a:xfrm>
+              <a:prstGeom prst="rect">
+                <a:avLst/>
+              </a:prstGeom>
+            </p:spPr>
+            <p:style>
+              <a:lnRef idx="2">
+                <a:schemeClr val="accent1">
+                  <a:shade val="50000"/>
+                </a:schemeClr>
+              </a:lnRef>
+              <a:fillRef idx="1">
+                <a:schemeClr val="accent1"/>
+              </a:fillRef>
+              <a:effectRef idx="0">
+                <a:schemeClr val="accent1"/>
+              </a:effectRef>
+              <a:fontRef idx="minor">
+                <a:schemeClr val="lt1"/>
+              </a:fontRef>
+            </p:style>
+            <p:txBody>
+              <a:bodyPr rtlCol="0" anchor="ctr"/>
+              <a:lstStyle/>
+              <a:p>
+                <a:pPr algn="ctr"/>
+                <a:endParaRPr lang="ko-KR" altLang="en-US"/>
+              </a:p>
+            </p:txBody>
+          </p:sp>
+          <p:sp>
+            <p:nvSpPr>
+              <p:cNvPr id="70" name="직사각형 69"/>
+              <p:cNvSpPr/>
+              <p:nvPr/>
+            </p:nvSpPr>
+            <p:spPr>
+              <a:xfrm>
+                <a:off x="3925430" y="4077072"/>
+                <a:ext cx="193346" cy="432048"/>
+              </a:xfrm>
+              <a:prstGeom prst="rect">
+                <a:avLst/>
+              </a:prstGeom>
+            </p:spPr>
+            <p:style>
+              <a:lnRef idx="2">
+                <a:schemeClr val="accent1">
+                  <a:shade val="50000"/>
+                </a:schemeClr>
+              </a:lnRef>
+              <a:fillRef idx="1">
+                <a:schemeClr val="accent1"/>
+              </a:fillRef>
+              <a:effectRef idx="0">
+                <a:schemeClr val="accent1"/>
+              </a:effectRef>
+              <a:fontRef idx="minor">
+                <a:schemeClr val="lt1"/>
+              </a:fontRef>
+            </p:style>
+            <p:txBody>
+              <a:bodyPr rtlCol="0" anchor="ctr"/>
+              <a:lstStyle/>
+              <a:p>
+                <a:pPr algn="ctr"/>
+                <a:endParaRPr lang="ko-KR" altLang="en-US"/>
+              </a:p>
+            </p:txBody>
+          </p:sp>
+        </p:grpSp>
+        <p:grpSp>
+          <p:nvGrpSpPr>
+            <p:cNvPr id="60" name="그룹 59"/>
+            <p:cNvGrpSpPr/>
+            <p:nvPr/>
+          </p:nvGrpSpPr>
+          <p:grpSpPr>
+            <a:xfrm>
+              <a:off x="5094058" y="744115"/>
+              <a:ext cx="1285908" cy="1722895"/>
+              <a:chOff x="3309654" y="2132856"/>
+              <a:chExt cx="1285908" cy="1722895"/>
+            </a:xfrm>
+          </p:grpSpPr>
+          <p:sp>
+            <p:nvSpPr>
+              <p:cNvPr id="61" name="직사각형 60"/>
+              <p:cNvSpPr/>
+              <p:nvPr/>
+            </p:nvSpPr>
+            <p:spPr>
+              <a:xfrm rot="2078953">
+                <a:off x="3408993" y="3207679"/>
+                <a:ext cx="183523" cy="648072"/>
+              </a:xfrm>
+              <a:prstGeom prst="rect">
+                <a:avLst/>
+              </a:prstGeom>
+            </p:spPr>
+            <p:style>
+              <a:lnRef idx="2">
+                <a:schemeClr val="accent1">
+                  <a:shade val="50000"/>
+                </a:schemeClr>
+              </a:lnRef>
+              <a:fillRef idx="1">
+                <a:schemeClr val="accent1"/>
+              </a:fillRef>
+              <a:effectRef idx="0">
+                <a:schemeClr val="accent1"/>
+              </a:effectRef>
+              <a:fontRef idx="minor">
+                <a:schemeClr val="lt1"/>
+              </a:fontRef>
+            </p:style>
+            <p:txBody>
+              <a:bodyPr rtlCol="0" anchor="ctr"/>
+              <a:lstStyle/>
+              <a:p>
+                <a:pPr algn="ctr"/>
+                <a:endParaRPr lang="ko-KR" altLang="en-US"/>
+              </a:p>
+            </p:txBody>
+          </p:sp>
+          <p:sp>
+            <p:nvSpPr>
+              <p:cNvPr id="62" name="타원 61"/>
+              <p:cNvSpPr/>
+              <p:nvPr/>
+            </p:nvSpPr>
+            <p:spPr>
+              <a:xfrm>
+                <a:off x="3309654" y="2132856"/>
+                <a:ext cx="1080120" cy="1080120"/>
+              </a:xfrm>
+              <a:prstGeom prst="ellipse">
+                <a:avLst/>
+              </a:prstGeom>
+            </p:spPr>
+            <p:style>
+              <a:lnRef idx="2">
+                <a:schemeClr val="accent1">
+                  <a:shade val="50000"/>
+                </a:schemeClr>
+              </a:lnRef>
+              <a:fillRef idx="1">
+                <a:schemeClr val="accent1"/>
+              </a:fillRef>
+              <a:effectRef idx="0">
+                <a:schemeClr val="accent1"/>
+              </a:effectRef>
+              <a:fontRef idx="minor">
+                <a:schemeClr val="lt1"/>
+              </a:fontRef>
+            </p:style>
+            <p:txBody>
+              <a:bodyPr rtlCol="0" anchor="ctr"/>
+              <a:lstStyle/>
+              <a:p>
+                <a:pPr algn="ctr"/>
+                <a:endParaRPr lang="ko-KR" altLang="en-US"/>
+              </a:p>
+            </p:txBody>
+          </p:sp>
+          <p:sp>
+            <p:nvSpPr>
+              <p:cNvPr id="63" name="직사각형 62"/>
+              <p:cNvSpPr/>
+              <p:nvPr/>
+            </p:nvSpPr>
+            <p:spPr>
+              <a:xfrm>
+                <a:off x="3579684" y="3212976"/>
+                <a:ext cx="540060" cy="432048"/>
+              </a:xfrm>
+              <a:prstGeom prst="rect">
+                <a:avLst/>
+              </a:prstGeom>
+            </p:spPr>
+            <p:style>
+              <a:lnRef idx="2">
+                <a:schemeClr val="accent1">
+                  <a:shade val="50000"/>
+                </a:schemeClr>
+              </a:lnRef>
+              <a:fillRef idx="1">
+                <a:schemeClr val="accent1"/>
+              </a:fillRef>
+              <a:effectRef idx="0">
+                <a:schemeClr val="accent1"/>
+              </a:effectRef>
+              <a:fontRef idx="minor">
+                <a:schemeClr val="lt1"/>
+              </a:fontRef>
+            </p:style>
+            <p:txBody>
+              <a:bodyPr rtlCol="0" anchor="ctr"/>
+              <a:lstStyle/>
+              <a:p>
+                <a:pPr algn="ctr"/>
+                <a:endParaRPr lang="ko-KR" altLang="en-US"/>
+              </a:p>
+            </p:txBody>
+          </p:sp>
+          <p:cxnSp>
+            <p:nvCxnSpPr>
+              <p:cNvPr id="64" name="직선 연결선 63"/>
+              <p:cNvCxnSpPr/>
+              <p:nvPr/>
+            </p:nvCxnSpPr>
+            <p:spPr>
+              <a:xfrm>
+                <a:off x="3345423" y="2463882"/>
+                <a:ext cx="310662" cy="0"/>
+              </a:xfrm>
+              <a:prstGeom prst="line">
+                <a:avLst/>
+              </a:prstGeom>
+            </p:spPr>
+            <p:style>
+              <a:lnRef idx="3">
+                <a:schemeClr val="dk1"/>
+              </a:lnRef>
+              <a:fillRef idx="0">
+                <a:schemeClr val="dk1"/>
+              </a:fillRef>
+              <a:effectRef idx="2">
+                <a:schemeClr val="dk1"/>
+              </a:effectRef>
+              <a:fontRef idx="minor">
+                <a:schemeClr val="tx1"/>
+              </a:fontRef>
+            </p:style>
+          </p:cxnSp>
+          <p:cxnSp>
+            <p:nvCxnSpPr>
+              <p:cNvPr id="65" name="직선 연결선 64"/>
+              <p:cNvCxnSpPr/>
+              <p:nvPr/>
+            </p:nvCxnSpPr>
+            <p:spPr>
+              <a:xfrm flipV="1">
+                <a:off x="3587116" y="2923539"/>
+                <a:ext cx="346714" cy="4814"/>
+              </a:xfrm>
+              <a:prstGeom prst="line">
+                <a:avLst/>
+              </a:prstGeom>
+            </p:spPr>
+            <p:style>
+              <a:lnRef idx="2">
+                <a:schemeClr val="dk1"/>
+              </a:lnRef>
+              <a:fillRef idx="0">
+                <a:schemeClr val="dk1"/>
+              </a:fillRef>
+              <a:effectRef idx="1">
+                <a:schemeClr val="dk1"/>
+              </a:effectRef>
+              <a:fontRef idx="minor">
+                <a:schemeClr val="tx1"/>
+              </a:fontRef>
+            </p:style>
+          </p:cxnSp>
+          <p:cxnSp>
+            <p:nvCxnSpPr>
+              <p:cNvPr id="66" name="직선 연결선 65"/>
+              <p:cNvCxnSpPr/>
+              <p:nvPr/>
+            </p:nvCxnSpPr>
+            <p:spPr>
+              <a:xfrm>
+                <a:off x="3824081" y="2463882"/>
+                <a:ext cx="396044" cy="0"/>
+              </a:xfrm>
+              <a:prstGeom prst="line">
+                <a:avLst/>
+              </a:prstGeom>
+            </p:spPr>
+            <p:style>
+              <a:lnRef idx="3">
+                <a:schemeClr val="dk1"/>
+              </a:lnRef>
+              <a:fillRef idx="0">
+                <a:schemeClr val="dk1"/>
+              </a:fillRef>
+              <a:effectRef idx="2">
+                <a:schemeClr val="dk1"/>
+              </a:effectRef>
+              <a:fontRef idx="minor">
+                <a:schemeClr val="tx1"/>
+              </a:fontRef>
+            </p:style>
+          </p:cxnSp>
+          <p:sp>
+            <p:nvSpPr>
+              <p:cNvPr id="67" name="직사각형 66"/>
+              <p:cNvSpPr/>
+              <p:nvPr/>
+            </p:nvSpPr>
+            <p:spPr>
+              <a:xfrm rot="18805362">
+                <a:off x="4176781" y="3207679"/>
+                <a:ext cx="189490" cy="648072"/>
+              </a:xfrm>
+              <a:prstGeom prst="rect">
+                <a:avLst/>
+              </a:prstGeom>
+            </p:spPr>
+            <p:style>
+              <a:lnRef idx="2">
+                <a:schemeClr val="accent1">
+                  <a:shade val="50000"/>
+                </a:schemeClr>
+              </a:lnRef>
+              <a:fillRef idx="1">
+                <a:schemeClr val="accent1"/>
+              </a:fillRef>
+              <a:effectRef idx="0">
+                <a:schemeClr val="accent1"/>
+              </a:effectRef>
+              <a:fontRef idx="minor">
+                <a:schemeClr val="lt1"/>
+              </a:fontRef>
+            </p:style>
+            <p:txBody>
+              <a:bodyPr rtlCol="0" anchor="ctr"/>
+              <a:lstStyle/>
+              <a:p>
+                <a:pPr algn="ctr"/>
+                <a:endParaRPr lang="ko-KR" altLang="en-US"/>
+              </a:p>
+            </p:txBody>
+          </p:sp>
+        </p:grpSp>
+      </p:grpSp>
+      <p:sp>
+        <p:nvSpPr>
+          <p:cNvPr id="2" name="직사각형 1"/>
+          <p:cNvSpPr/>
+          <p:nvPr/>
+        </p:nvSpPr>
+        <p:spPr>
+          <a:xfrm>
+            <a:off x="1570742" y="1290084"/>
+            <a:ext cx="2353186" cy="914400"/>
+          </a:xfrm>
+          <a:prstGeom prst="rect">
+            <a:avLst/>
+          </a:prstGeom>
+          <a:noFill/>
+        </p:spPr>
+        <p:style>
+          <a:lnRef idx="2">
+            <a:schemeClr val="accent1">
+              <a:shade val="50000"/>
+            </a:schemeClr>
+          </a:lnRef>
+          <a:fillRef idx="1">
+            <a:schemeClr val="accent1"/>
+          </a:fillRef>
+          <a:effectRef idx="0">
+            <a:schemeClr val="accent1"/>
+          </a:effectRef>
+          <a:fontRef idx="minor">
+            <a:schemeClr val="lt1"/>
+          </a:fontRef>
+        </p:style>
+        <p:txBody>
+          <a:bodyPr rtlCol="0" anchor="ctr"/>
+          <a:lstStyle/>
+          <a:p>
+            <a:pPr algn="ctr"/>
+            <a:r>
+              <a:rPr lang="ko-KR" altLang="en-US" dirty="0" smtClean="0">
+                <a:solidFill>
+                  <a:sysClr val="windowText" lastClr="000000"/>
+                </a:solidFill>
+              </a:rPr>
+              <a:t>플레이 체인지</a:t>
+            </a:r>
+            <a:endParaRPr lang="en-US" altLang="ko-KR" dirty="0" smtClean="0">
+              <a:solidFill>
+                <a:sysClr val="windowText" lastClr="000000"/>
+              </a:solidFill>
+            </a:endParaRPr>
+          </a:p>
+          <a:p>
+            <a:pPr algn="ctr"/>
+            <a:r>
+              <a:rPr lang="en-US" altLang="ko-KR" dirty="0" smtClean="0">
+                <a:solidFill>
+                  <a:sysClr val="windowText" lastClr="000000"/>
+                </a:solidFill>
+              </a:rPr>
+              <a:t>1</a:t>
+            </a:r>
+            <a:r>
+              <a:rPr lang="ko-KR" altLang="en-US" dirty="0" smtClean="0">
+                <a:solidFill>
+                  <a:sysClr val="windowText" lastClr="000000"/>
+                </a:solidFill>
+              </a:rPr>
+              <a:t>번 </a:t>
+            </a:r>
+            <a:r>
+              <a:rPr lang="en-US" altLang="ko-KR" dirty="0" smtClean="0">
+                <a:solidFill>
+                  <a:sysClr val="windowText" lastClr="000000"/>
+                </a:solidFill>
+              </a:rPr>
+              <a:t>-&gt; 2</a:t>
+            </a:r>
+            <a:r>
+              <a:rPr lang="ko-KR" altLang="en-US" dirty="0" smtClean="0">
+                <a:solidFill>
+                  <a:sysClr val="windowText" lastClr="000000"/>
+                </a:solidFill>
+              </a:rPr>
+              <a:t>번</a:t>
+            </a:r>
+            <a:endParaRPr lang="ko-KR" altLang="en-US" dirty="0">
+              <a:solidFill>
+                <a:sysClr val="windowText" lastClr="000000"/>
+              </a:solidFill>
+            </a:endParaRPr>
+          </a:p>
+        </p:txBody>
+      </p:sp>
+      <p:sp>
+        <p:nvSpPr>
+          <p:cNvPr id="71" name="직사각형 70"/>
+          <p:cNvSpPr/>
+          <p:nvPr/>
+        </p:nvSpPr>
+        <p:spPr>
+          <a:xfrm>
+            <a:off x="2913771" y="3772146"/>
+            <a:ext cx="623055" cy="510642"/>
+          </a:xfrm>
+          <a:prstGeom prst="rect">
+            <a:avLst/>
+          </a:prstGeom>
+          <a:noFill/>
+        </p:spPr>
+        <p:style>
+          <a:lnRef idx="2">
+            <a:schemeClr val="accent1">
+              <a:shade val="50000"/>
+            </a:schemeClr>
+          </a:lnRef>
+          <a:fillRef idx="1">
+            <a:schemeClr val="accent1"/>
+          </a:fillRef>
+          <a:effectRef idx="0">
+            <a:schemeClr val="accent1"/>
+          </a:effectRef>
+          <a:fontRef idx="minor">
+            <a:schemeClr val="lt1"/>
+          </a:fontRef>
+        </p:style>
+        <p:txBody>
+          <a:bodyPr rtlCol="0" anchor="ctr"/>
+          <a:lstStyle/>
+          <a:p>
+            <a:pPr algn="ctr"/>
+            <a:r>
+              <a:rPr lang="en-US" altLang="ko-KR" dirty="0" smtClean="0">
+                <a:solidFill>
+                  <a:sysClr val="windowText" lastClr="000000"/>
+                </a:solidFill>
+              </a:rPr>
+              <a:t>1</a:t>
+            </a:r>
+            <a:r>
+              <a:rPr lang="ko-KR" altLang="en-US" dirty="0" smtClean="0">
+                <a:solidFill>
+                  <a:sysClr val="windowText" lastClr="000000"/>
+                </a:solidFill>
+              </a:rPr>
+              <a:t>번</a:t>
+            </a:r>
+            <a:endParaRPr lang="ko-KR" altLang="en-US" dirty="0">
+              <a:solidFill>
+                <a:sysClr val="windowText" lastClr="000000"/>
+              </a:solidFill>
+            </a:endParaRPr>
+          </a:p>
+        </p:txBody>
+      </p:sp>
+      <p:sp>
+        <p:nvSpPr>
+          <p:cNvPr id="72" name="직사각형 71"/>
+          <p:cNvSpPr/>
+          <p:nvPr/>
+        </p:nvSpPr>
+        <p:spPr>
+          <a:xfrm>
+            <a:off x="5258875" y="1123607"/>
+            <a:ext cx="623055" cy="510642"/>
+          </a:xfrm>
+          <a:prstGeom prst="rect">
+            <a:avLst/>
+          </a:prstGeom>
+          <a:noFill/>
+        </p:spPr>
+        <p:style>
+          <a:lnRef idx="2">
+            <a:schemeClr val="accent1">
+              <a:shade val="50000"/>
+            </a:schemeClr>
+          </a:lnRef>
+          <a:fillRef idx="1">
+            <a:schemeClr val="accent1"/>
+          </a:fillRef>
+          <a:effectRef idx="0">
+            <a:schemeClr val="accent1"/>
+          </a:effectRef>
+          <a:fontRef idx="minor">
+            <a:schemeClr val="lt1"/>
+          </a:fontRef>
+        </p:style>
+        <p:txBody>
+          <a:bodyPr rtlCol="0" anchor="ctr"/>
+          <a:lstStyle/>
+          <a:p>
+            <a:pPr algn="ctr"/>
+            <a:r>
+              <a:rPr lang="en-US" altLang="ko-KR" dirty="0">
+                <a:solidFill>
+                  <a:sysClr val="windowText" lastClr="000000"/>
+                </a:solidFill>
+              </a:rPr>
+              <a:t>2</a:t>
+            </a:r>
+            <a:r>
+              <a:rPr lang="ko-KR" altLang="en-US" dirty="0" smtClean="0">
+                <a:solidFill>
+                  <a:sysClr val="windowText" lastClr="000000"/>
+                </a:solidFill>
+              </a:rPr>
+              <a:t>번</a:t>
+            </a:r>
+            <a:endParaRPr lang="ko-KR" altLang="en-US" dirty="0">
+              <a:solidFill>
+                <a:sysClr val="windowText" lastClr="000000"/>
+              </a:solidFill>
+            </a:endParaRPr>
+          </a:p>
+        </p:txBody>
+      </p:sp>
+      <p:sp>
+        <p:nvSpPr>
+          <p:cNvPr id="73" name="직사각형 72"/>
+          <p:cNvSpPr/>
+          <p:nvPr/>
+        </p:nvSpPr>
+        <p:spPr>
+          <a:xfrm>
+            <a:off x="7757812" y="2116002"/>
+            <a:ext cx="623055" cy="510642"/>
+          </a:xfrm>
+          <a:prstGeom prst="rect">
+            <a:avLst/>
+          </a:prstGeom>
+          <a:noFill/>
+        </p:spPr>
+        <p:style>
+          <a:lnRef idx="2">
+            <a:schemeClr val="accent1">
+              <a:shade val="50000"/>
+            </a:schemeClr>
+          </a:lnRef>
+          <a:fillRef idx="1">
+            <a:schemeClr val="accent1"/>
+          </a:fillRef>
+          <a:effectRef idx="0">
+            <a:schemeClr val="accent1"/>
+          </a:effectRef>
+          <a:fontRef idx="minor">
+            <a:schemeClr val="lt1"/>
+          </a:fontRef>
+        </p:style>
+        <p:txBody>
+          <a:bodyPr rtlCol="0" anchor="ctr"/>
+          <a:lstStyle/>
+          <a:p>
+            <a:pPr algn="ctr"/>
+            <a:r>
+              <a:rPr lang="en-US" altLang="ko-KR" dirty="0">
+                <a:solidFill>
+                  <a:sysClr val="windowText" lastClr="000000"/>
+                </a:solidFill>
+              </a:rPr>
+              <a:t>3</a:t>
+            </a:r>
+            <a:r>
+              <a:rPr lang="ko-KR" altLang="en-US" dirty="0" smtClean="0">
+                <a:solidFill>
+                  <a:sysClr val="windowText" lastClr="000000"/>
+                </a:solidFill>
+              </a:rPr>
+              <a:t>번</a:t>
+            </a:r>
+            <a:endParaRPr lang="ko-KR" altLang="en-US" dirty="0">
+              <a:solidFill>
+                <a:sysClr val="windowText" lastClr="000000"/>
+              </a:solidFill>
+            </a:endParaRPr>
+          </a:p>
+        </p:txBody>
+      </p:sp>
+      <p:sp>
+        <p:nvSpPr>
+          <p:cNvPr id="74" name="직사각형 73"/>
+          <p:cNvSpPr/>
+          <p:nvPr/>
+        </p:nvSpPr>
+        <p:spPr>
+          <a:xfrm>
+            <a:off x="3184695" y="5807951"/>
+            <a:ext cx="2175943" cy="548680"/>
+          </a:xfrm>
+          <a:prstGeom prst="rect">
+            <a:avLst/>
+          </a:prstGeom>
+          <a:noFill/>
+        </p:spPr>
+        <p:style>
+          <a:lnRef idx="2">
+            <a:schemeClr val="accent1">
+              <a:shade val="50000"/>
+            </a:schemeClr>
+          </a:lnRef>
+          <a:fillRef idx="1">
+            <a:schemeClr val="accent1"/>
+          </a:fillRef>
+          <a:effectRef idx="0">
+            <a:schemeClr val="accent1"/>
+          </a:effectRef>
+          <a:fontRef idx="minor">
+            <a:schemeClr val="lt1"/>
+          </a:fontRef>
+        </p:style>
+        <p:txBody>
+          <a:bodyPr rtlCol="0" anchor="ctr"/>
+          <a:lstStyle/>
+          <a:p>
+            <a:pPr algn="ctr"/>
+            <a:r>
+              <a:rPr lang="ko-KR" altLang="en-US" dirty="0" smtClean="0">
+                <a:solidFill>
+                  <a:sysClr val="windowText" lastClr="000000"/>
+                </a:solidFill>
+              </a:rPr>
+              <a:t>직접 조작 가능</a:t>
+            </a:r>
+            <a:endParaRPr lang="en-US" altLang="ko-KR" dirty="0" smtClean="0">
+              <a:solidFill>
+                <a:sysClr val="windowText" lastClr="000000"/>
+              </a:solidFill>
+            </a:endParaRPr>
+          </a:p>
+        </p:txBody>
+      </p:sp>
+      <p:sp>
+        <p:nvSpPr>
+          <p:cNvPr id="75" name="직사각형 74"/>
+          <p:cNvSpPr/>
+          <p:nvPr/>
+        </p:nvSpPr>
+        <p:spPr>
+          <a:xfrm>
+            <a:off x="6148621" y="5008714"/>
+            <a:ext cx="2353186" cy="914400"/>
+          </a:xfrm>
+          <a:prstGeom prst="rect">
+            <a:avLst/>
+          </a:prstGeom>
+          <a:noFill/>
+        </p:spPr>
+        <p:style>
+          <a:lnRef idx="2">
+            <a:schemeClr val="accent1">
+              <a:shade val="50000"/>
+            </a:schemeClr>
+          </a:lnRef>
+          <a:fillRef idx="1">
+            <a:schemeClr val="accent1"/>
+          </a:fillRef>
+          <a:effectRef idx="0">
+            <a:schemeClr val="accent1"/>
+          </a:effectRef>
+          <a:fontRef idx="minor">
+            <a:schemeClr val="lt1"/>
+          </a:fontRef>
+        </p:style>
+        <p:txBody>
+          <a:bodyPr rtlCol="0" anchor="ctr"/>
+          <a:lstStyle/>
+          <a:p>
+            <a:pPr algn="ctr"/>
+            <a:r>
+              <a:rPr lang="ko-KR" altLang="en-US" dirty="0" smtClean="0">
+                <a:solidFill>
+                  <a:sysClr val="windowText" lastClr="000000"/>
+                </a:solidFill>
+              </a:rPr>
+              <a:t>나머지 캐릭터는 </a:t>
+            </a:r>
+            <a:r>
+              <a:rPr lang="en-US" altLang="ko-KR" dirty="0" smtClean="0">
+                <a:solidFill>
+                  <a:sysClr val="windowText" lastClr="000000"/>
+                </a:solidFill>
+              </a:rPr>
+              <a:t>AI</a:t>
+            </a:r>
+            <a:r>
+              <a:rPr lang="ko-KR" altLang="en-US" dirty="0" smtClean="0">
+                <a:solidFill>
+                  <a:sysClr val="windowText" lastClr="000000"/>
+                </a:solidFill>
+              </a:rPr>
+              <a:t>로 조작</a:t>
+            </a:r>
+            <a:endParaRPr lang="ko-KR" altLang="en-US" dirty="0">
+              <a:solidFill>
+                <a:sysClr val="windowText" lastClr="000000"/>
+              </a:solidFill>
+            </a:endParaRPr>
+          </a:p>
+        </p:txBody>
+      </p:sp>
+    </p:spTree>
+    <p:extLst>
+      <p:ext uri="{BB962C8B-B14F-4D97-AF65-F5344CB8AC3E}">
+        <p14:creationId xmlns:p14="http://schemas.microsoft.com/office/powerpoint/2010/main" val="73169832"/>
+      </p:ext>
+    </p:extLst>
+  </p:cSld>
+  <p:clrMapOvr>
+    <a:masterClrMapping/>
+  </p:clrMapOvr>
+</p:sld>
+</file>
+
+<file path=ppt/slides/slide3.xml><?xml version="1.0" encoding="utf-8"?>
+<p:sld xmlns:a="http://schemas.openxmlformats.org/drawingml/2006/main" xmlns:r="http://schemas.openxmlformats.org/officeDocument/2006/relationships" xmlns:p="http://schemas.openxmlformats.org/presentationml/2006/main">
+  <p:cSld>
+    <p:spTree>
+      <p:nvGrpSpPr>
+        <p:cNvPr id="1" name=""/>
+        <p:cNvGrpSpPr/>
+        <p:nvPr/>
+      </p:nvGrpSpPr>
+      <p:grpSpPr>
+        <a:xfrm>
+          <a:off x="0" y="0"/>
+          <a:ext cx="0" cy="0"/>
+          <a:chOff x="0" y="0"/>
+          <a:chExt cx="0" cy="0"/>
+        </a:xfrm>
+      </p:grpSpPr>
+      <p:sp>
+        <p:nvSpPr>
+          <p:cNvPr id="4" name="직사각형 3"/>
+          <p:cNvSpPr/>
+          <p:nvPr/>
+        </p:nvSpPr>
+        <p:spPr>
+          <a:xfrm>
+            <a:off x="0" y="0"/>
+            <a:ext cx="9144000" cy="6858000"/>
+          </a:xfrm>
+          <a:prstGeom prst="rect">
+            <a:avLst/>
+          </a:prstGeom>
+          <a:solidFill>
+            <a:schemeClr val="bg1"/>
+          </a:solidFill>
+          <a:ln>
+            <a:solidFill>
+              <a:schemeClr val="bg1"/>
+            </a:solidFill>
+          </a:ln>
+        </p:spPr>
+        <p:style>
+          <a:lnRef idx="2">
+            <a:schemeClr val="accent1">
+              <a:shade val="50000"/>
+            </a:schemeClr>
+          </a:lnRef>
+          <a:fillRef idx="1">
+            <a:schemeClr val="accent1"/>
+          </a:fillRef>
+          <a:effectRef idx="0">
+            <a:schemeClr val="accent1"/>
+          </a:effectRef>
+          <a:fontRef idx="minor">
+            <a:schemeClr val="lt1"/>
+          </a:fontRef>
+        </p:style>
+        <p:txBody>
+          <a:bodyPr rtlCol="0" anchor="ctr"/>
+          <a:lstStyle/>
+          <a:p>
+            <a:pPr algn="ctr"/>
+            <a:endParaRPr lang="ko-KR" altLang="en-US"/>
+          </a:p>
+        </p:txBody>
+      </p:sp>
+      <p:grpSp>
+        <p:nvGrpSpPr>
+          <p:cNvPr id="43" name="그룹 42"/>
+          <p:cNvGrpSpPr/>
+          <p:nvPr/>
+        </p:nvGrpSpPr>
+        <p:grpSpPr>
+          <a:xfrm>
+            <a:off x="4682078" y="1457477"/>
+            <a:ext cx="686690" cy="1268953"/>
+            <a:chOff x="5094058" y="744115"/>
+            <a:chExt cx="1285908" cy="2376264"/>
+          </a:xfrm>
+        </p:grpSpPr>
+        <p:grpSp>
+          <p:nvGrpSpPr>
+            <p:cNvPr id="17" name="그룹 16"/>
+            <p:cNvGrpSpPr/>
+            <p:nvPr/>
+          </p:nvGrpSpPr>
+          <p:grpSpPr>
+            <a:xfrm>
+              <a:off x="5364088" y="2256283"/>
+              <a:ext cx="540060" cy="864096"/>
+              <a:chOff x="3579684" y="3645024"/>
+              <a:chExt cx="540060" cy="864096"/>
+            </a:xfrm>
+          </p:grpSpPr>
+          <p:sp>
+            <p:nvSpPr>
+              <p:cNvPr id="18" name="직사각형 17"/>
+              <p:cNvSpPr/>
+              <p:nvPr/>
+            </p:nvSpPr>
+            <p:spPr>
+              <a:xfrm>
+                <a:off x="3579684" y="3645024"/>
+                <a:ext cx="540060" cy="432048"/>
+              </a:xfrm>
+              <a:prstGeom prst="rect">
+                <a:avLst/>
+              </a:prstGeom>
+            </p:spPr>
+            <p:style>
+              <a:lnRef idx="2">
+                <a:schemeClr val="accent1">
+                  <a:shade val="50000"/>
+                </a:schemeClr>
+              </a:lnRef>
+              <a:fillRef idx="1">
+                <a:schemeClr val="accent1"/>
+              </a:fillRef>
+              <a:effectRef idx="0">
+                <a:schemeClr val="accent1"/>
+              </a:effectRef>
+              <a:fontRef idx="minor">
+                <a:schemeClr val="lt1"/>
+              </a:fontRef>
+            </p:style>
+            <p:txBody>
+              <a:bodyPr rtlCol="0" anchor="ctr"/>
+              <a:lstStyle/>
+              <a:p>
+                <a:pPr algn="ctr"/>
+                <a:endParaRPr lang="ko-KR" altLang="en-US"/>
+              </a:p>
+            </p:txBody>
+          </p:sp>
+          <p:sp>
+            <p:nvSpPr>
+              <p:cNvPr id="19" name="직사각형 18"/>
+              <p:cNvSpPr/>
+              <p:nvPr/>
+            </p:nvSpPr>
+            <p:spPr>
+              <a:xfrm>
+                <a:off x="3579684" y="4077072"/>
+                <a:ext cx="193346" cy="432048"/>
+              </a:xfrm>
+              <a:prstGeom prst="rect">
+                <a:avLst/>
+              </a:prstGeom>
+            </p:spPr>
+            <p:style>
+              <a:lnRef idx="2">
+                <a:schemeClr val="accent1">
+                  <a:shade val="50000"/>
+                </a:schemeClr>
+              </a:lnRef>
+              <a:fillRef idx="1">
+                <a:schemeClr val="accent1"/>
+              </a:fillRef>
+              <a:effectRef idx="0">
+                <a:schemeClr val="accent1"/>
+              </a:effectRef>
+              <a:fontRef idx="minor">
+                <a:schemeClr val="lt1"/>
+              </a:fontRef>
+            </p:style>
+            <p:txBody>
+              <a:bodyPr rtlCol="0" anchor="ctr"/>
+              <a:lstStyle/>
+              <a:p>
+                <a:pPr algn="ctr"/>
+                <a:endParaRPr lang="ko-KR" altLang="en-US"/>
+              </a:p>
+            </p:txBody>
+          </p:sp>
+          <p:sp>
+            <p:nvSpPr>
+              <p:cNvPr id="20" name="직사각형 19"/>
+              <p:cNvSpPr/>
+              <p:nvPr/>
+            </p:nvSpPr>
+            <p:spPr>
+              <a:xfrm>
+                <a:off x="3925430" y="4077072"/>
+                <a:ext cx="193346" cy="432048"/>
+              </a:xfrm>
+              <a:prstGeom prst="rect">
+                <a:avLst/>
+              </a:prstGeom>
+            </p:spPr>
+            <p:style>
+              <a:lnRef idx="2">
+                <a:schemeClr val="accent1">
+                  <a:shade val="50000"/>
+                </a:schemeClr>
+              </a:lnRef>
+              <a:fillRef idx="1">
+                <a:schemeClr val="accent1"/>
+              </a:fillRef>
+              <a:effectRef idx="0">
+                <a:schemeClr val="accent1"/>
+              </a:effectRef>
+              <a:fontRef idx="minor">
+                <a:schemeClr val="lt1"/>
+              </a:fontRef>
+            </p:style>
+            <p:txBody>
+              <a:bodyPr rtlCol="0" anchor="ctr"/>
+              <a:lstStyle/>
+              <a:p>
+                <a:pPr algn="ctr"/>
+                <a:endParaRPr lang="ko-KR" altLang="en-US"/>
+              </a:p>
+            </p:txBody>
+          </p:sp>
+        </p:grpSp>
+        <p:grpSp>
+          <p:nvGrpSpPr>
+            <p:cNvPr id="21" name="그룹 20"/>
+            <p:cNvGrpSpPr/>
+            <p:nvPr/>
+          </p:nvGrpSpPr>
+          <p:grpSpPr>
+            <a:xfrm>
+              <a:off x="5094058" y="744115"/>
+              <a:ext cx="1285908" cy="1722895"/>
+              <a:chOff x="3309654" y="2132856"/>
+              <a:chExt cx="1285908" cy="1722895"/>
+            </a:xfrm>
+          </p:grpSpPr>
+          <p:sp>
+            <p:nvSpPr>
+              <p:cNvPr id="22" name="직사각형 21"/>
+              <p:cNvSpPr/>
+              <p:nvPr/>
+            </p:nvSpPr>
+            <p:spPr>
+              <a:xfrm rot="2078953">
+                <a:off x="3408993" y="3207679"/>
+                <a:ext cx="183523" cy="648072"/>
+              </a:xfrm>
+              <a:prstGeom prst="rect">
+                <a:avLst/>
+              </a:prstGeom>
+            </p:spPr>
+            <p:style>
+              <a:lnRef idx="2">
+                <a:schemeClr val="accent1">
+                  <a:shade val="50000"/>
+                </a:schemeClr>
+              </a:lnRef>
+              <a:fillRef idx="1">
+                <a:schemeClr val="accent1"/>
+              </a:fillRef>
+              <a:effectRef idx="0">
+                <a:schemeClr val="accent1"/>
+              </a:effectRef>
+              <a:fontRef idx="minor">
+                <a:schemeClr val="lt1"/>
+              </a:fontRef>
+            </p:style>
+            <p:txBody>
+              <a:bodyPr rtlCol="0" anchor="ctr"/>
+              <a:lstStyle/>
+              <a:p>
+                <a:pPr algn="ctr"/>
+                <a:endParaRPr lang="ko-KR" altLang="en-US"/>
+              </a:p>
+            </p:txBody>
+          </p:sp>
+          <p:sp>
+            <p:nvSpPr>
+              <p:cNvPr id="23" name="타원 22"/>
+              <p:cNvSpPr/>
+              <p:nvPr/>
+            </p:nvSpPr>
+            <p:spPr>
+              <a:xfrm>
+                <a:off x="3309654" y="2132856"/>
+                <a:ext cx="1080120" cy="1080120"/>
+              </a:xfrm>
+              <a:prstGeom prst="ellipse">
+                <a:avLst/>
+              </a:prstGeom>
+            </p:spPr>
+            <p:style>
+              <a:lnRef idx="2">
+                <a:schemeClr val="accent1">
+                  <a:shade val="50000"/>
+                </a:schemeClr>
+              </a:lnRef>
+              <a:fillRef idx="1">
+                <a:schemeClr val="accent1"/>
+              </a:fillRef>
+              <a:effectRef idx="0">
+                <a:schemeClr val="accent1"/>
+              </a:effectRef>
+              <a:fontRef idx="minor">
+                <a:schemeClr val="lt1"/>
+              </a:fontRef>
+            </p:style>
+            <p:txBody>
+              <a:bodyPr rtlCol="0" anchor="ctr"/>
+              <a:lstStyle/>
+              <a:p>
+                <a:pPr algn="ctr"/>
+                <a:endParaRPr lang="ko-KR" altLang="en-US"/>
+              </a:p>
+            </p:txBody>
+          </p:sp>
+          <p:sp>
+            <p:nvSpPr>
+              <p:cNvPr id="24" name="직사각형 23"/>
+              <p:cNvSpPr/>
+              <p:nvPr/>
+            </p:nvSpPr>
+            <p:spPr>
+              <a:xfrm>
+                <a:off x="3579684" y="3212976"/>
+                <a:ext cx="540060" cy="432048"/>
+              </a:xfrm>
+              <a:prstGeom prst="rect">
+                <a:avLst/>
+              </a:prstGeom>
+            </p:spPr>
+            <p:style>
+              <a:lnRef idx="2">
+                <a:schemeClr val="accent1">
+                  <a:shade val="50000"/>
+                </a:schemeClr>
+              </a:lnRef>
+              <a:fillRef idx="1">
+                <a:schemeClr val="accent1"/>
+              </a:fillRef>
+              <a:effectRef idx="0">
+                <a:schemeClr val="accent1"/>
+              </a:effectRef>
+              <a:fontRef idx="minor">
+                <a:schemeClr val="lt1"/>
+              </a:fontRef>
+            </p:style>
+            <p:txBody>
+              <a:bodyPr rtlCol="0" anchor="ctr"/>
+              <a:lstStyle/>
+              <a:p>
+                <a:pPr algn="ctr"/>
+                <a:endParaRPr lang="ko-KR" altLang="en-US"/>
+              </a:p>
+            </p:txBody>
+          </p:sp>
+          <p:cxnSp>
+            <p:nvCxnSpPr>
+              <p:cNvPr id="25" name="직선 연결선 24"/>
+              <p:cNvCxnSpPr/>
+              <p:nvPr/>
+            </p:nvCxnSpPr>
+            <p:spPr>
+              <a:xfrm>
+                <a:off x="3345423" y="2463882"/>
+                <a:ext cx="310662" cy="0"/>
+              </a:xfrm>
+              <a:prstGeom prst="line">
+                <a:avLst/>
+              </a:prstGeom>
+            </p:spPr>
+            <p:style>
+              <a:lnRef idx="3">
+                <a:schemeClr val="dk1"/>
+              </a:lnRef>
+              <a:fillRef idx="0">
+                <a:schemeClr val="dk1"/>
+              </a:fillRef>
+              <a:effectRef idx="2">
+                <a:schemeClr val="dk1"/>
+              </a:effectRef>
+              <a:fontRef idx="minor">
+                <a:schemeClr val="tx1"/>
+              </a:fontRef>
+            </p:style>
+          </p:cxnSp>
+          <p:cxnSp>
+            <p:nvCxnSpPr>
+              <p:cNvPr id="26" name="직선 연결선 25"/>
+              <p:cNvCxnSpPr/>
+              <p:nvPr/>
+            </p:nvCxnSpPr>
+            <p:spPr>
+              <a:xfrm flipV="1">
+                <a:off x="3587116" y="2923539"/>
+                <a:ext cx="346714" cy="4814"/>
+              </a:xfrm>
+              <a:prstGeom prst="line">
+                <a:avLst/>
+              </a:prstGeom>
+            </p:spPr>
+            <p:style>
+              <a:lnRef idx="2">
+                <a:schemeClr val="dk1"/>
+              </a:lnRef>
+              <a:fillRef idx="0">
+                <a:schemeClr val="dk1"/>
+              </a:fillRef>
+              <a:effectRef idx="1">
+                <a:schemeClr val="dk1"/>
+              </a:effectRef>
+              <a:fontRef idx="minor">
+                <a:schemeClr val="tx1"/>
+              </a:fontRef>
+            </p:style>
+          </p:cxnSp>
+          <p:cxnSp>
+            <p:nvCxnSpPr>
+              <p:cNvPr id="27" name="직선 연결선 26"/>
+              <p:cNvCxnSpPr/>
+              <p:nvPr/>
+            </p:nvCxnSpPr>
+            <p:spPr>
+              <a:xfrm>
+                <a:off x="3824081" y="2463882"/>
+                <a:ext cx="396044" cy="0"/>
+              </a:xfrm>
+              <a:prstGeom prst="line">
+                <a:avLst/>
+              </a:prstGeom>
+            </p:spPr>
+            <p:style>
+              <a:lnRef idx="3">
+                <a:schemeClr val="dk1"/>
+              </a:lnRef>
+              <a:fillRef idx="0">
+                <a:schemeClr val="dk1"/>
+              </a:fillRef>
+              <a:effectRef idx="2">
+                <a:schemeClr val="dk1"/>
+              </a:effectRef>
+              <a:fontRef idx="minor">
+                <a:schemeClr val="tx1"/>
+              </a:fontRef>
+            </p:style>
+          </p:cxnSp>
+          <p:sp>
+            <p:nvSpPr>
+              <p:cNvPr id="28" name="직사각형 27"/>
+              <p:cNvSpPr/>
+              <p:nvPr/>
+            </p:nvSpPr>
+            <p:spPr>
+              <a:xfrm rot="18805362">
+                <a:off x="4176781" y="3207679"/>
+                <a:ext cx="189490" cy="648072"/>
+              </a:xfrm>
+              <a:prstGeom prst="rect">
+                <a:avLst/>
+              </a:prstGeom>
+            </p:spPr>
+            <p:style>
+              <a:lnRef idx="2">
+                <a:schemeClr val="accent1">
+                  <a:shade val="50000"/>
+                </a:schemeClr>
+              </a:lnRef>
+              <a:fillRef idx="1">
+                <a:schemeClr val="accent1"/>
+              </a:fillRef>
+              <a:effectRef idx="0">
+                <a:schemeClr val="accent1"/>
+              </a:effectRef>
+              <a:fontRef idx="minor">
+                <a:schemeClr val="lt1"/>
+              </a:fontRef>
+            </p:style>
+            <p:txBody>
+              <a:bodyPr rtlCol="0" anchor="ctr"/>
+              <a:lstStyle/>
+              <a:p>
+                <a:pPr algn="ctr"/>
+                <a:endParaRPr lang="ko-KR" altLang="en-US"/>
+              </a:p>
+            </p:txBody>
+          </p:sp>
+        </p:grpSp>
+      </p:grpSp>
+      <p:sp>
+        <p:nvSpPr>
+          <p:cNvPr id="41" name="직사각형 40"/>
+          <p:cNvSpPr/>
+          <p:nvPr/>
+        </p:nvSpPr>
+        <p:spPr>
+          <a:xfrm>
+            <a:off x="-1" y="0"/>
+            <a:ext cx="2171491" cy="548680"/>
+          </a:xfrm>
+          <a:prstGeom prst="rect">
+            <a:avLst/>
+          </a:prstGeom>
+          <a:noFill/>
+        </p:spPr>
+        <p:style>
+          <a:lnRef idx="2">
+            <a:schemeClr val="accent1">
+              <a:shade val="50000"/>
+            </a:schemeClr>
+          </a:lnRef>
+          <a:fillRef idx="1">
+            <a:schemeClr val="accent1"/>
+          </a:fillRef>
+          <a:effectRef idx="0">
+            <a:schemeClr val="accent1"/>
+          </a:effectRef>
+          <a:fontRef idx="minor">
+            <a:schemeClr val="lt1"/>
+          </a:fontRef>
+        </p:style>
+        <p:txBody>
+          <a:bodyPr rtlCol="0" anchor="ctr"/>
+          <a:lstStyle/>
+          <a:p>
+            <a:pPr algn="ctr"/>
+            <a:r>
+              <a:rPr lang="ko-KR" altLang="en-US" dirty="0" smtClean="0">
+                <a:solidFill>
+                  <a:sysClr val="windowText" lastClr="000000"/>
+                </a:solidFill>
+              </a:rPr>
+              <a:t>필드</a:t>
+            </a:r>
+            <a:endParaRPr lang="en-US" altLang="ko-KR" dirty="0" smtClean="0">
+              <a:solidFill>
+                <a:sysClr val="windowText" lastClr="000000"/>
+              </a:solidFill>
+            </a:endParaRPr>
+          </a:p>
+        </p:txBody>
+      </p:sp>
+      <p:grpSp>
+        <p:nvGrpSpPr>
+          <p:cNvPr id="44" name="그룹 43"/>
+          <p:cNvGrpSpPr/>
+          <p:nvPr/>
+        </p:nvGrpSpPr>
+        <p:grpSpPr>
+          <a:xfrm>
+            <a:off x="2336974" y="4106016"/>
+            <a:ext cx="686690" cy="1268953"/>
+            <a:chOff x="5094058" y="744115"/>
+            <a:chExt cx="1285908" cy="2376264"/>
+          </a:xfrm>
+        </p:grpSpPr>
+        <p:grpSp>
+          <p:nvGrpSpPr>
+            <p:cNvPr id="45" name="그룹 44"/>
+            <p:cNvGrpSpPr/>
+            <p:nvPr/>
+          </p:nvGrpSpPr>
+          <p:grpSpPr>
+            <a:xfrm>
+              <a:off x="5364088" y="2256283"/>
+              <a:ext cx="540060" cy="864096"/>
+              <a:chOff x="3579684" y="3645024"/>
+              <a:chExt cx="540060" cy="864096"/>
+            </a:xfrm>
+          </p:grpSpPr>
+          <p:sp>
+            <p:nvSpPr>
+              <p:cNvPr id="54" name="직사각형 53"/>
+              <p:cNvSpPr/>
+              <p:nvPr/>
+            </p:nvSpPr>
+            <p:spPr>
+              <a:xfrm>
+                <a:off x="3579684" y="3645024"/>
+                <a:ext cx="540060" cy="432048"/>
+              </a:xfrm>
+              <a:prstGeom prst="rect">
+                <a:avLst/>
+              </a:prstGeom>
+            </p:spPr>
+            <p:style>
+              <a:lnRef idx="2">
+                <a:schemeClr val="accent1">
+                  <a:shade val="50000"/>
+                </a:schemeClr>
+              </a:lnRef>
+              <a:fillRef idx="1">
+                <a:schemeClr val="accent1"/>
+              </a:fillRef>
+              <a:effectRef idx="0">
+                <a:schemeClr val="accent1"/>
+              </a:effectRef>
+              <a:fontRef idx="minor">
+                <a:schemeClr val="lt1"/>
+              </a:fontRef>
+            </p:style>
+            <p:txBody>
+              <a:bodyPr rtlCol="0" anchor="ctr"/>
+              <a:lstStyle/>
+              <a:p>
+                <a:pPr algn="ctr"/>
+                <a:endParaRPr lang="ko-KR" altLang="en-US"/>
+              </a:p>
+            </p:txBody>
+          </p:sp>
+          <p:sp>
+            <p:nvSpPr>
+              <p:cNvPr id="55" name="직사각형 54"/>
+              <p:cNvSpPr/>
+              <p:nvPr/>
+            </p:nvSpPr>
+            <p:spPr>
+              <a:xfrm>
+                <a:off x="3579684" y="4077072"/>
+                <a:ext cx="193346" cy="432048"/>
+              </a:xfrm>
+              <a:prstGeom prst="rect">
+                <a:avLst/>
+              </a:prstGeom>
+            </p:spPr>
+            <p:style>
+              <a:lnRef idx="2">
+                <a:schemeClr val="accent1">
+                  <a:shade val="50000"/>
+                </a:schemeClr>
+              </a:lnRef>
+              <a:fillRef idx="1">
+                <a:schemeClr val="accent1"/>
+              </a:fillRef>
+              <a:effectRef idx="0">
+                <a:schemeClr val="accent1"/>
+              </a:effectRef>
+              <a:fontRef idx="minor">
+                <a:schemeClr val="lt1"/>
+              </a:fontRef>
+            </p:style>
+            <p:txBody>
+              <a:bodyPr rtlCol="0" anchor="ctr"/>
+              <a:lstStyle/>
+              <a:p>
+                <a:pPr algn="ctr"/>
+                <a:endParaRPr lang="ko-KR" altLang="en-US"/>
+              </a:p>
+            </p:txBody>
+          </p:sp>
+          <p:sp>
+            <p:nvSpPr>
+              <p:cNvPr id="56" name="직사각형 55"/>
+              <p:cNvSpPr/>
+              <p:nvPr/>
+            </p:nvSpPr>
+            <p:spPr>
+              <a:xfrm>
+                <a:off x="3925430" y="4077072"/>
+                <a:ext cx="193346" cy="432048"/>
+              </a:xfrm>
+              <a:prstGeom prst="rect">
+                <a:avLst/>
+              </a:prstGeom>
+            </p:spPr>
+            <p:style>
+              <a:lnRef idx="2">
+                <a:schemeClr val="accent1">
+                  <a:shade val="50000"/>
+                </a:schemeClr>
+              </a:lnRef>
+              <a:fillRef idx="1">
+                <a:schemeClr val="accent1"/>
+              </a:fillRef>
+              <a:effectRef idx="0">
+                <a:schemeClr val="accent1"/>
+              </a:effectRef>
+              <a:fontRef idx="minor">
+                <a:schemeClr val="lt1"/>
+              </a:fontRef>
+            </p:style>
+            <p:txBody>
+              <a:bodyPr rtlCol="0" anchor="ctr"/>
+              <a:lstStyle/>
+              <a:p>
+                <a:pPr algn="ctr"/>
+                <a:endParaRPr lang="ko-KR" altLang="en-US"/>
+              </a:p>
+            </p:txBody>
+          </p:sp>
+        </p:grpSp>
+        <p:grpSp>
+          <p:nvGrpSpPr>
+            <p:cNvPr id="46" name="그룹 45"/>
+            <p:cNvGrpSpPr/>
+            <p:nvPr/>
+          </p:nvGrpSpPr>
+          <p:grpSpPr>
+            <a:xfrm>
+              <a:off x="5094058" y="744115"/>
+              <a:ext cx="1285908" cy="1722895"/>
+              <a:chOff x="3309654" y="2132856"/>
+              <a:chExt cx="1285908" cy="1722895"/>
+            </a:xfrm>
+          </p:grpSpPr>
+          <p:sp>
+            <p:nvSpPr>
+              <p:cNvPr id="47" name="직사각형 46"/>
+              <p:cNvSpPr/>
+              <p:nvPr/>
+            </p:nvSpPr>
+            <p:spPr>
+              <a:xfrm rot="2078953">
+                <a:off x="3408993" y="3207679"/>
+                <a:ext cx="183523" cy="648072"/>
+              </a:xfrm>
+              <a:prstGeom prst="rect">
+                <a:avLst/>
+              </a:prstGeom>
+            </p:spPr>
+            <p:style>
+              <a:lnRef idx="2">
+                <a:schemeClr val="accent1">
+                  <a:shade val="50000"/>
+                </a:schemeClr>
+              </a:lnRef>
+              <a:fillRef idx="1">
+                <a:schemeClr val="accent1"/>
+              </a:fillRef>
+              <a:effectRef idx="0">
+                <a:schemeClr val="accent1"/>
+              </a:effectRef>
+              <a:fontRef idx="minor">
+                <a:schemeClr val="lt1"/>
+              </a:fontRef>
+            </p:style>
+            <p:txBody>
+              <a:bodyPr rtlCol="0" anchor="ctr"/>
+              <a:lstStyle/>
+              <a:p>
+                <a:pPr algn="ctr"/>
+                <a:endParaRPr lang="ko-KR" altLang="en-US"/>
+              </a:p>
+            </p:txBody>
+          </p:sp>
+          <p:sp>
+            <p:nvSpPr>
+              <p:cNvPr id="48" name="타원 47"/>
+              <p:cNvSpPr/>
+              <p:nvPr/>
+            </p:nvSpPr>
+            <p:spPr>
+              <a:xfrm>
+                <a:off x="3309654" y="2132856"/>
+                <a:ext cx="1080120" cy="1080120"/>
+              </a:xfrm>
+              <a:prstGeom prst="ellipse">
+                <a:avLst/>
+              </a:prstGeom>
+            </p:spPr>
+            <p:style>
+              <a:lnRef idx="2">
+                <a:schemeClr val="accent1">
+                  <a:shade val="50000"/>
+                </a:schemeClr>
+              </a:lnRef>
+              <a:fillRef idx="1">
+                <a:schemeClr val="accent1"/>
+              </a:fillRef>
+              <a:effectRef idx="0">
+                <a:schemeClr val="accent1"/>
+              </a:effectRef>
+              <a:fontRef idx="minor">
+                <a:schemeClr val="lt1"/>
+              </a:fontRef>
+            </p:style>
+            <p:txBody>
+              <a:bodyPr rtlCol="0" anchor="ctr"/>
+              <a:lstStyle/>
+              <a:p>
+                <a:pPr algn="ctr"/>
+                <a:endParaRPr lang="ko-KR" altLang="en-US"/>
+              </a:p>
+            </p:txBody>
+          </p:sp>
+          <p:sp>
+            <p:nvSpPr>
+              <p:cNvPr id="49" name="직사각형 48"/>
+              <p:cNvSpPr/>
+              <p:nvPr/>
+            </p:nvSpPr>
+            <p:spPr>
+              <a:xfrm>
+                <a:off x="3579684" y="3212976"/>
+                <a:ext cx="540060" cy="432048"/>
+              </a:xfrm>
+              <a:prstGeom prst="rect">
+                <a:avLst/>
+              </a:prstGeom>
+            </p:spPr>
+            <p:style>
+              <a:lnRef idx="2">
+                <a:schemeClr val="accent1">
+                  <a:shade val="50000"/>
+                </a:schemeClr>
+              </a:lnRef>
+              <a:fillRef idx="1">
+                <a:schemeClr val="accent1"/>
+              </a:fillRef>
+              <a:effectRef idx="0">
+                <a:schemeClr val="accent1"/>
+              </a:effectRef>
+              <a:fontRef idx="minor">
+                <a:schemeClr val="lt1"/>
+              </a:fontRef>
+            </p:style>
+            <p:txBody>
+              <a:bodyPr rtlCol="0" anchor="ctr"/>
+              <a:lstStyle/>
+              <a:p>
+                <a:pPr algn="ctr"/>
+                <a:endParaRPr lang="ko-KR" altLang="en-US"/>
+              </a:p>
+            </p:txBody>
+          </p:sp>
+          <p:cxnSp>
+            <p:nvCxnSpPr>
+              <p:cNvPr id="50" name="직선 연결선 49"/>
+              <p:cNvCxnSpPr/>
+              <p:nvPr/>
+            </p:nvCxnSpPr>
+            <p:spPr>
+              <a:xfrm>
+                <a:off x="3345423" y="2463882"/>
+                <a:ext cx="310662" cy="0"/>
+              </a:xfrm>
+              <a:prstGeom prst="line">
+                <a:avLst/>
+              </a:prstGeom>
+            </p:spPr>
+            <p:style>
+              <a:lnRef idx="3">
+                <a:schemeClr val="dk1"/>
+              </a:lnRef>
+              <a:fillRef idx="0">
+                <a:schemeClr val="dk1"/>
+              </a:fillRef>
+              <a:effectRef idx="2">
+                <a:schemeClr val="dk1"/>
+              </a:effectRef>
+              <a:fontRef idx="minor">
+                <a:schemeClr val="tx1"/>
+              </a:fontRef>
+            </p:style>
+          </p:cxnSp>
+          <p:cxnSp>
+            <p:nvCxnSpPr>
+              <p:cNvPr id="51" name="직선 연결선 50"/>
+              <p:cNvCxnSpPr/>
+              <p:nvPr/>
+            </p:nvCxnSpPr>
+            <p:spPr>
+              <a:xfrm flipV="1">
+                <a:off x="3587116" y="2923539"/>
+                <a:ext cx="346714" cy="4814"/>
+              </a:xfrm>
+              <a:prstGeom prst="line">
+                <a:avLst/>
+              </a:prstGeom>
+            </p:spPr>
+            <p:style>
+              <a:lnRef idx="2">
+                <a:schemeClr val="dk1"/>
+              </a:lnRef>
+              <a:fillRef idx="0">
+                <a:schemeClr val="dk1"/>
+              </a:fillRef>
+              <a:effectRef idx="1">
+                <a:schemeClr val="dk1"/>
+              </a:effectRef>
+              <a:fontRef idx="minor">
+                <a:schemeClr val="tx1"/>
+              </a:fontRef>
+            </p:style>
+          </p:cxnSp>
+          <p:cxnSp>
+            <p:nvCxnSpPr>
+              <p:cNvPr id="52" name="직선 연결선 51"/>
+              <p:cNvCxnSpPr/>
+              <p:nvPr/>
+            </p:nvCxnSpPr>
+            <p:spPr>
+              <a:xfrm>
+                <a:off x="3824081" y="2463882"/>
+                <a:ext cx="396044" cy="0"/>
+              </a:xfrm>
+              <a:prstGeom prst="line">
+                <a:avLst/>
+              </a:prstGeom>
+            </p:spPr>
+            <p:style>
+              <a:lnRef idx="3">
+                <a:schemeClr val="dk1"/>
+              </a:lnRef>
+              <a:fillRef idx="0">
+                <a:schemeClr val="dk1"/>
+              </a:fillRef>
+              <a:effectRef idx="2">
+                <a:schemeClr val="dk1"/>
+              </a:effectRef>
+              <a:fontRef idx="minor">
+                <a:schemeClr val="tx1"/>
+              </a:fontRef>
+            </p:style>
+          </p:cxnSp>
+          <p:sp>
+            <p:nvSpPr>
+              <p:cNvPr id="53" name="직사각형 52"/>
+              <p:cNvSpPr/>
+              <p:nvPr/>
+            </p:nvSpPr>
+            <p:spPr>
+              <a:xfrm rot="18805362">
+                <a:off x="4176781" y="3207679"/>
+                <a:ext cx="189490" cy="648072"/>
+              </a:xfrm>
+              <a:prstGeom prst="rect">
+                <a:avLst/>
+              </a:prstGeom>
+            </p:spPr>
+            <p:style>
+              <a:lnRef idx="2">
+                <a:schemeClr val="accent1">
+                  <a:shade val="50000"/>
+                </a:schemeClr>
+              </a:lnRef>
+              <a:fillRef idx="1">
+                <a:schemeClr val="accent1"/>
+              </a:fillRef>
+              <a:effectRef idx="0">
+                <a:schemeClr val="accent1"/>
+              </a:effectRef>
+              <a:fontRef idx="minor">
+                <a:schemeClr val="lt1"/>
+              </a:fontRef>
+            </p:style>
+            <p:txBody>
+              <a:bodyPr rtlCol="0" anchor="ctr"/>
+              <a:lstStyle/>
+              <a:p>
+                <a:pPr algn="ctr"/>
+                <a:endParaRPr lang="ko-KR" altLang="en-US"/>
+              </a:p>
+            </p:txBody>
+          </p:sp>
+        </p:grpSp>
+      </p:grpSp>
+      <p:sp>
+        <p:nvSpPr>
+          <p:cNvPr id="57" name="직사각형 56"/>
+          <p:cNvSpPr/>
+          <p:nvPr/>
+        </p:nvSpPr>
+        <p:spPr>
+          <a:xfrm>
+            <a:off x="2242501" y="371190"/>
+            <a:ext cx="2171491" cy="548680"/>
+          </a:xfrm>
+          <a:prstGeom prst="rect">
+            <a:avLst/>
+          </a:prstGeom>
+          <a:noFill/>
+        </p:spPr>
+        <p:style>
+          <a:lnRef idx="2">
+            <a:schemeClr val="accent1">
+              <a:shade val="50000"/>
+            </a:schemeClr>
+          </a:lnRef>
+          <a:fillRef idx="1">
+            <a:schemeClr val="accent1"/>
+          </a:fillRef>
+          <a:effectRef idx="0">
+            <a:schemeClr val="accent1"/>
+          </a:effectRef>
+          <a:fontRef idx="minor">
+            <a:schemeClr val="lt1"/>
+          </a:fontRef>
+        </p:style>
+        <p:txBody>
+          <a:bodyPr rtlCol="0" anchor="ctr"/>
+          <a:lstStyle/>
+          <a:p>
+            <a:pPr algn="ctr"/>
+            <a:r>
+              <a:rPr lang="ko-KR" altLang="en-US" dirty="0" smtClean="0">
+                <a:solidFill>
+                  <a:sysClr val="windowText" lastClr="000000"/>
+                </a:solidFill>
+              </a:rPr>
+              <a:t>게임 화면</a:t>
+            </a:r>
+            <a:endParaRPr lang="en-US" altLang="ko-KR" dirty="0" smtClean="0">
+              <a:solidFill>
+                <a:sysClr val="windowText" lastClr="000000"/>
+              </a:solidFill>
+            </a:endParaRPr>
+          </a:p>
+        </p:txBody>
+      </p:sp>
+      <p:grpSp>
+        <p:nvGrpSpPr>
+          <p:cNvPr id="58" name="그룹 57"/>
+          <p:cNvGrpSpPr/>
+          <p:nvPr/>
+        </p:nvGrpSpPr>
+        <p:grpSpPr>
+          <a:xfrm>
+            <a:off x="7181015" y="2449872"/>
+            <a:ext cx="686690" cy="1268953"/>
+            <a:chOff x="5094058" y="744115"/>
+            <a:chExt cx="1285908" cy="2376264"/>
+          </a:xfrm>
+        </p:grpSpPr>
+        <p:grpSp>
+          <p:nvGrpSpPr>
+            <p:cNvPr id="59" name="그룹 58"/>
+            <p:cNvGrpSpPr/>
+            <p:nvPr/>
+          </p:nvGrpSpPr>
+          <p:grpSpPr>
+            <a:xfrm>
+              <a:off x="5364088" y="2256283"/>
+              <a:ext cx="540060" cy="864096"/>
+              <a:chOff x="3579684" y="3645024"/>
+              <a:chExt cx="540060" cy="864096"/>
+            </a:xfrm>
+          </p:grpSpPr>
+          <p:sp>
+            <p:nvSpPr>
+              <p:cNvPr id="68" name="직사각형 67"/>
+              <p:cNvSpPr/>
+              <p:nvPr/>
+            </p:nvSpPr>
+            <p:spPr>
+              <a:xfrm>
+                <a:off x="3579684" y="3645024"/>
+                <a:ext cx="540060" cy="432048"/>
+              </a:xfrm>
+              <a:prstGeom prst="rect">
+                <a:avLst/>
+              </a:prstGeom>
+            </p:spPr>
+            <p:style>
+              <a:lnRef idx="2">
+                <a:schemeClr val="accent1">
+                  <a:shade val="50000"/>
+                </a:schemeClr>
+              </a:lnRef>
+              <a:fillRef idx="1">
+                <a:schemeClr val="accent1"/>
+              </a:fillRef>
+              <a:effectRef idx="0">
+                <a:schemeClr val="accent1"/>
+              </a:effectRef>
+              <a:fontRef idx="minor">
+                <a:schemeClr val="lt1"/>
+              </a:fontRef>
+            </p:style>
+            <p:txBody>
+              <a:bodyPr rtlCol="0" anchor="ctr"/>
+              <a:lstStyle/>
+              <a:p>
+                <a:pPr algn="ctr"/>
+                <a:endParaRPr lang="ko-KR" altLang="en-US"/>
+              </a:p>
+            </p:txBody>
+          </p:sp>
+          <p:sp>
+            <p:nvSpPr>
+              <p:cNvPr id="69" name="직사각형 68"/>
+              <p:cNvSpPr/>
+              <p:nvPr/>
+            </p:nvSpPr>
+            <p:spPr>
+              <a:xfrm>
+                <a:off x="3579684" y="4077072"/>
+                <a:ext cx="193346" cy="432048"/>
+              </a:xfrm>
+              <a:prstGeom prst="rect">
+                <a:avLst/>
+              </a:prstGeom>
+            </p:spPr>
+            <p:style>
+              <a:lnRef idx="2">
+                <a:schemeClr val="accent1">
+                  <a:shade val="50000"/>
+                </a:schemeClr>
+              </a:lnRef>
+              <a:fillRef idx="1">
+                <a:schemeClr val="accent1"/>
+              </a:fillRef>
+              <a:effectRef idx="0">
+                <a:schemeClr val="accent1"/>
+              </a:effectRef>
+              <a:fontRef idx="minor">
+                <a:schemeClr val="lt1"/>
+              </a:fontRef>
+            </p:style>
+            <p:txBody>
+              <a:bodyPr rtlCol="0" anchor="ctr"/>
+              <a:lstStyle/>
+              <a:p>
+                <a:pPr algn="ctr"/>
+                <a:endParaRPr lang="ko-KR" altLang="en-US"/>
+              </a:p>
+            </p:txBody>
+          </p:sp>
+          <p:sp>
+            <p:nvSpPr>
+              <p:cNvPr id="70" name="직사각형 69"/>
+              <p:cNvSpPr/>
+              <p:nvPr/>
+            </p:nvSpPr>
+            <p:spPr>
+              <a:xfrm>
+                <a:off x="3925430" y="4077072"/>
+                <a:ext cx="193346" cy="432048"/>
+              </a:xfrm>
+              <a:prstGeom prst="rect">
+                <a:avLst/>
+              </a:prstGeom>
+            </p:spPr>
+            <p:style>
+              <a:lnRef idx="2">
+                <a:schemeClr val="accent1">
+                  <a:shade val="50000"/>
+                </a:schemeClr>
+              </a:lnRef>
+              <a:fillRef idx="1">
+                <a:schemeClr val="accent1"/>
+              </a:fillRef>
+              <a:effectRef idx="0">
+                <a:schemeClr val="accent1"/>
+              </a:effectRef>
+              <a:fontRef idx="minor">
+                <a:schemeClr val="lt1"/>
+              </a:fontRef>
+            </p:style>
+            <p:txBody>
+              <a:bodyPr rtlCol="0" anchor="ctr"/>
+              <a:lstStyle/>
+              <a:p>
+                <a:pPr algn="ctr"/>
+                <a:endParaRPr lang="ko-KR" altLang="en-US"/>
+              </a:p>
+            </p:txBody>
+          </p:sp>
+        </p:grpSp>
+        <p:grpSp>
+          <p:nvGrpSpPr>
+            <p:cNvPr id="60" name="그룹 59"/>
+            <p:cNvGrpSpPr/>
+            <p:nvPr/>
+          </p:nvGrpSpPr>
+          <p:grpSpPr>
+            <a:xfrm>
+              <a:off x="5094058" y="744115"/>
+              <a:ext cx="1285908" cy="1722895"/>
+              <a:chOff x="3309654" y="2132856"/>
+              <a:chExt cx="1285908" cy="1722895"/>
+            </a:xfrm>
+          </p:grpSpPr>
+          <p:sp>
+            <p:nvSpPr>
+              <p:cNvPr id="61" name="직사각형 60"/>
+              <p:cNvSpPr/>
+              <p:nvPr/>
+            </p:nvSpPr>
+            <p:spPr>
+              <a:xfrm rot="2078953">
+                <a:off x="3408993" y="3207679"/>
+                <a:ext cx="183523" cy="648072"/>
+              </a:xfrm>
+              <a:prstGeom prst="rect">
+                <a:avLst/>
+              </a:prstGeom>
+            </p:spPr>
+            <p:style>
+              <a:lnRef idx="2">
+                <a:schemeClr val="accent1">
+                  <a:shade val="50000"/>
+                </a:schemeClr>
+              </a:lnRef>
+              <a:fillRef idx="1">
+                <a:schemeClr val="accent1"/>
+              </a:fillRef>
+              <a:effectRef idx="0">
+                <a:schemeClr val="accent1"/>
+              </a:effectRef>
+              <a:fontRef idx="minor">
+                <a:schemeClr val="lt1"/>
+              </a:fontRef>
+            </p:style>
+            <p:txBody>
+              <a:bodyPr rtlCol="0" anchor="ctr"/>
+              <a:lstStyle/>
+              <a:p>
+                <a:pPr algn="ctr"/>
+                <a:endParaRPr lang="ko-KR" altLang="en-US"/>
+              </a:p>
+            </p:txBody>
+          </p:sp>
+          <p:sp>
+            <p:nvSpPr>
+              <p:cNvPr id="62" name="타원 61"/>
+              <p:cNvSpPr/>
+              <p:nvPr/>
+            </p:nvSpPr>
+            <p:spPr>
+              <a:xfrm>
+                <a:off x="3309654" y="2132856"/>
+                <a:ext cx="1080120" cy="1080120"/>
+              </a:xfrm>
+              <a:prstGeom prst="ellipse">
+                <a:avLst/>
+              </a:prstGeom>
+            </p:spPr>
+            <p:style>
+              <a:lnRef idx="2">
+                <a:schemeClr val="accent1">
+                  <a:shade val="50000"/>
+                </a:schemeClr>
+              </a:lnRef>
+              <a:fillRef idx="1">
+                <a:schemeClr val="accent1"/>
+              </a:fillRef>
+              <a:effectRef idx="0">
+                <a:schemeClr val="accent1"/>
+              </a:effectRef>
+              <a:fontRef idx="minor">
+                <a:schemeClr val="lt1"/>
+              </a:fontRef>
+            </p:style>
+            <p:txBody>
+              <a:bodyPr rtlCol="0" anchor="ctr"/>
+              <a:lstStyle/>
+              <a:p>
+                <a:pPr algn="ctr"/>
+                <a:endParaRPr lang="ko-KR" altLang="en-US"/>
+              </a:p>
+            </p:txBody>
+          </p:sp>
+          <p:sp>
+            <p:nvSpPr>
+              <p:cNvPr id="63" name="직사각형 62"/>
+              <p:cNvSpPr/>
+              <p:nvPr/>
+            </p:nvSpPr>
+            <p:spPr>
+              <a:xfrm>
+                <a:off x="3579684" y="3212976"/>
+                <a:ext cx="540060" cy="432048"/>
+              </a:xfrm>
+              <a:prstGeom prst="rect">
+                <a:avLst/>
+              </a:prstGeom>
+            </p:spPr>
+            <p:style>
+              <a:lnRef idx="2">
+                <a:schemeClr val="accent1">
+                  <a:shade val="50000"/>
+                </a:schemeClr>
+              </a:lnRef>
+              <a:fillRef idx="1">
+                <a:schemeClr val="accent1"/>
+              </a:fillRef>
+              <a:effectRef idx="0">
+                <a:schemeClr val="accent1"/>
+              </a:effectRef>
+              <a:fontRef idx="minor">
+                <a:schemeClr val="lt1"/>
+              </a:fontRef>
+            </p:style>
+            <p:txBody>
+              <a:bodyPr rtlCol="0" anchor="ctr"/>
+              <a:lstStyle/>
+              <a:p>
+                <a:pPr algn="ctr"/>
+                <a:endParaRPr lang="ko-KR" altLang="en-US"/>
+              </a:p>
+            </p:txBody>
+          </p:sp>
+          <p:cxnSp>
+            <p:nvCxnSpPr>
+              <p:cNvPr id="64" name="직선 연결선 63"/>
+              <p:cNvCxnSpPr/>
+              <p:nvPr/>
+            </p:nvCxnSpPr>
+            <p:spPr>
+              <a:xfrm>
+                <a:off x="3345423" y="2463882"/>
+                <a:ext cx="310662" cy="0"/>
+              </a:xfrm>
+              <a:prstGeom prst="line">
+                <a:avLst/>
+              </a:prstGeom>
+            </p:spPr>
+            <p:style>
+              <a:lnRef idx="3">
+                <a:schemeClr val="dk1"/>
+              </a:lnRef>
+              <a:fillRef idx="0">
+                <a:schemeClr val="dk1"/>
+              </a:fillRef>
+              <a:effectRef idx="2">
+                <a:schemeClr val="dk1"/>
+              </a:effectRef>
+              <a:fontRef idx="minor">
+                <a:schemeClr val="tx1"/>
+              </a:fontRef>
+            </p:style>
+          </p:cxnSp>
+          <p:cxnSp>
+            <p:nvCxnSpPr>
+              <p:cNvPr id="65" name="직선 연결선 64"/>
+              <p:cNvCxnSpPr/>
+              <p:nvPr/>
+            </p:nvCxnSpPr>
+            <p:spPr>
+              <a:xfrm flipV="1">
+                <a:off x="3587116" y="2923539"/>
+                <a:ext cx="346714" cy="4814"/>
+              </a:xfrm>
+              <a:prstGeom prst="line">
+                <a:avLst/>
+              </a:prstGeom>
+            </p:spPr>
+            <p:style>
+              <a:lnRef idx="2">
+                <a:schemeClr val="dk1"/>
+              </a:lnRef>
+              <a:fillRef idx="0">
+                <a:schemeClr val="dk1"/>
+              </a:fillRef>
+              <a:effectRef idx="1">
+                <a:schemeClr val="dk1"/>
+              </a:effectRef>
+              <a:fontRef idx="minor">
+                <a:schemeClr val="tx1"/>
+              </a:fontRef>
+            </p:style>
+          </p:cxnSp>
+          <p:cxnSp>
+            <p:nvCxnSpPr>
+              <p:cNvPr id="66" name="직선 연결선 65"/>
+              <p:cNvCxnSpPr/>
+              <p:nvPr/>
+            </p:nvCxnSpPr>
+            <p:spPr>
+              <a:xfrm>
+                <a:off x="3824081" y="2463882"/>
+                <a:ext cx="396044" cy="0"/>
+              </a:xfrm>
+              <a:prstGeom prst="line">
+                <a:avLst/>
+              </a:prstGeom>
+            </p:spPr>
+            <p:style>
+              <a:lnRef idx="3">
+                <a:schemeClr val="dk1"/>
+              </a:lnRef>
+              <a:fillRef idx="0">
+                <a:schemeClr val="dk1"/>
+              </a:fillRef>
+              <a:effectRef idx="2">
+                <a:schemeClr val="dk1"/>
+              </a:effectRef>
+              <a:fontRef idx="minor">
+                <a:schemeClr val="tx1"/>
+              </a:fontRef>
+            </p:style>
+          </p:cxnSp>
+          <p:sp>
+            <p:nvSpPr>
+              <p:cNvPr id="67" name="직사각형 66"/>
+              <p:cNvSpPr/>
+              <p:nvPr/>
+            </p:nvSpPr>
+            <p:spPr>
+              <a:xfrm rot="18805362">
+                <a:off x="4176781" y="3207679"/>
+                <a:ext cx="189490" cy="648072"/>
+              </a:xfrm>
+              <a:prstGeom prst="rect">
+                <a:avLst/>
+              </a:prstGeom>
+            </p:spPr>
+            <p:style>
+              <a:lnRef idx="2">
+                <a:schemeClr val="accent1">
+                  <a:shade val="50000"/>
+                </a:schemeClr>
+              </a:lnRef>
+              <a:fillRef idx="1">
+                <a:schemeClr val="accent1"/>
+              </a:fillRef>
+              <a:effectRef idx="0">
+                <a:schemeClr val="accent1"/>
+              </a:effectRef>
+              <a:fontRef idx="minor">
+                <a:schemeClr val="lt1"/>
+              </a:fontRef>
+            </p:style>
+            <p:txBody>
+              <a:bodyPr rtlCol="0" anchor="ctr"/>
+              <a:lstStyle/>
+              <a:p>
+                <a:pPr algn="ctr"/>
+                <a:endParaRPr lang="ko-KR" altLang="en-US"/>
+              </a:p>
+            </p:txBody>
+          </p:sp>
+        </p:grpSp>
+      </p:grpSp>
+      <p:sp>
+        <p:nvSpPr>
+          <p:cNvPr id="2" name="직사각형 1"/>
+          <p:cNvSpPr/>
+          <p:nvPr/>
+        </p:nvSpPr>
+        <p:spPr>
+          <a:xfrm>
+            <a:off x="6148621" y="5008714"/>
+            <a:ext cx="2353186" cy="914400"/>
+          </a:xfrm>
+          <a:prstGeom prst="rect">
+            <a:avLst/>
+          </a:prstGeom>
+          <a:noFill/>
+        </p:spPr>
+        <p:style>
+          <a:lnRef idx="2">
+            <a:schemeClr val="accent1">
+              <a:shade val="50000"/>
+            </a:schemeClr>
+          </a:lnRef>
+          <a:fillRef idx="1">
+            <a:schemeClr val="accent1"/>
+          </a:fillRef>
+          <a:effectRef idx="0">
+            <a:schemeClr val="accent1"/>
+          </a:effectRef>
+          <a:fontRef idx="minor">
+            <a:schemeClr val="lt1"/>
+          </a:fontRef>
+        </p:style>
+        <p:txBody>
+          <a:bodyPr rtlCol="0" anchor="ctr"/>
+          <a:lstStyle/>
+          <a:p>
+            <a:pPr algn="ctr"/>
+            <a:r>
+              <a:rPr lang="ko-KR" altLang="en-US" dirty="0" smtClean="0">
+                <a:solidFill>
+                  <a:sysClr val="windowText" lastClr="000000"/>
+                </a:solidFill>
+              </a:rPr>
+              <a:t>나머지 캐릭터는 </a:t>
+            </a:r>
+            <a:r>
+              <a:rPr lang="en-US" altLang="ko-KR" dirty="0" smtClean="0">
+                <a:solidFill>
+                  <a:sysClr val="windowText" lastClr="000000"/>
+                </a:solidFill>
+              </a:rPr>
+              <a:t>AI</a:t>
+            </a:r>
+            <a:r>
+              <a:rPr lang="ko-KR" altLang="en-US" dirty="0" smtClean="0">
+                <a:solidFill>
+                  <a:sysClr val="windowText" lastClr="000000"/>
+                </a:solidFill>
+              </a:rPr>
+              <a:t>로 조작</a:t>
+            </a:r>
+            <a:endParaRPr lang="ko-KR" altLang="en-US" dirty="0">
+              <a:solidFill>
+                <a:sysClr val="windowText" lastClr="000000"/>
+              </a:solidFill>
+            </a:endParaRPr>
+          </a:p>
+        </p:txBody>
+      </p:sp>
+      <p:sp>
+        <p:nvSpPr>
+          <p:cNvPr id="71" name="직사각형 70"/>
+          <p:cNvSpPr/>
+          <p:nvPr/>
+        </p:nvSpPr>
+        <p:spPr>
+          <a:xfrm>
+            <a:off x="2913771" y="3772146"/>
+            <a:ext cx="623055" cy="510642"/>
+          </a:xfrm>
+          <a:prstGeom prst="rect">
+            <a:avLst/>
+          </a:prstGeom>
+          <a:noFill/>
+        </p:spPr>
+        <p:style>
+          <a:lnRef idx="2">
+            <a:schemeClr val="accent1">
+              <a:shade val="50000"/>
+            </a:schemeClr>
+          </a:lnRef>
+          <a:fillRef idx="1">
+            <a:schemeClr val="accent1"/>
+          </a:fillRef>
+          <a:effectRef idx="0">
+            <a:schemeClr val="accent1"/>
+          </a:effectRef>
+          <a:fontRef idx="minor">
+            <a:schemeClr val="lt1"/>
+          </a:fontRef>
+        </p:style>
+        <p:txBody>
+          <a:bodyPr rtlCol="0" anchor="ctr"/>
+          <a:lstStyle/>
+          <a:p>
+            <a:pPr algn="ctr"/>
+            <a:r>
+              <a:rPr lang="en-US" altLang="ko-KR" dirty="0" smtClean="0">
+                <a:solidFill>
+                  <a:sysClr val="windowText" lastClr="000000"/>
+                </a:solidFill>
+              </a:rPr>
+              <a:t>1</a:t>
+            </a:r>
+            <a:r>
+              <a:rPr lang="ko-KR" altLang="en-US" dirty="0" smtClean="0">
+                <a:solidFill>
+                  <a:sysClr val="windowText" lastClr="000000"/>
+                </a:solidFill>
+              </a:rPr>
+              <a:t>번</a:t>
+            </a:r>
+            <a:endParaRPr lang="ko-KR" altLang="en-US" dirty="0">
+              <a:solidFill>
+                <a:sysClr val="windowText" lastClr="000000"/>
+              </a:solidFill>
+            </a:endParaRPr>
+          </a:p>
+        </p:txBody>
+      </p:sp>
+      <p:sp>
+        <p:nvSpPr>
+          <p:cNvPr id="72" name="직사각형 71"/>
+          <p:cNvSpPr/>
+          <p:nvPr/>
+        </p:nvSpPr>
+        <p:spPr>
+          <a:xfrm>
+            <a:off x="5258875" y="1123607"/>
+            <a:ext cx="623055" cy="510642"/>
+          </a:xfrm>
+          <a:prstGeom prst="rect">
+            <a:avLst/>
+          </a:prstGeom>
+          <a:noFill/>
+        </p:spPr>
+        <p:style>
+          <a:lnRef idx="2">
+            <a:schemeClr val="accent1">
+              <a:shade val="50000"/>
+            </a:schemeClr>
+          </a:lnRef>
+          <a:fillRef idx="1">
+            <a:schemeClr val="accent1"/>
+          </a:fillRef>
+          <a:effectRef idx="0">
+            <a:schemeClr val="accent1"/>
+          </a:effectRef>
+          <a:fontRef idx="minor">
+            <a:schemeClr val="lt1"/>
+          </a:fontRef>
+        </p:style>
+        <p:txBody>
+          <a:bodyPr rtlCol="0" anchor="ctr"/>
+          <a:lstStyle/>
+          <a:p>
+            <a:pPr algn="ctr"/>
+            <a:r>
+              <a:rPr lang="en-US" altLang="ko-KR" dirty="0">
+                <a:solidFill>
+                  <a:sysClr val="windowText" lastClr="000000"/>
+                </a:solidFill>
+              </a:rPr>
+              <a:t>2</a:t>
+            </a:r>
+            <a:r>
+              <a:rPr lang="ko-KR" altLang="en-US" dirty="0" smtClean="0">
+                <a:solidFill>
+                  <a:sysClr val="windowText" lastClr="000000"/>
+                </a:solidFill>
+              </a:rPr>
+              <a:t>번</a:t>
+            </a:r>
+            <a:endParaRPr lang="ko-KR" altLang="en-US" dirty="0">
+              <a:solidFill>
+                <a:sysClr val="windowText" lastClr="000000"/>
+              </a:solidFill>
+            </a:endParaRPr>
+          </a:p>
+        </p:txBody>
+      </p:sp>
+      <p:sp>
+        <p:nvSpPr>
+          <p:cNvPr id="73" name="직사각형 72"/>
+          <p:cNvSpPr/>
+          <p:nvPr/>
+        </p:nvSpPr>
+        <p:spPr>
+          <a:xfrm>
+            <a:off x="7757812" y="2116002"/>
+            <a:ext cx="623055" cy="510642"/>
+          </a:xfrm>
+          <a:prstGeom prst="rect">
+            <a:avLst/>
+          </a:prstGeom>
+          <a:noFill/>
+        </p:spPr>
+        <p:style>
+          <a:lnRef idx="2">
+            <a:schemeClr val="accent1">
+              <a:shade val="50000"/>
+            </a:schemeClr>
+          </a:lnRef>
+          <a:fillRef idx="1">
+            <a:schemeClr val="accent1"/>
+          </a:fillRef>
+          <a:effectRef idx="0">
+            <a:schemeClr val="accent1"/>
+          </a:effectRef>
+          <a:fontRef idx="minor">
+            <a:schemeClr val="lt1"/>
+          </a:fontRef>
+        </p:style>
+        <p:txBody>
+          <a:bodyPr rtlCol="0" anchor="ctr"/>
+          <a:lstStyle/>
+          <a:p>
+            <a:pPr algn="ctr"/>
+            <a:r>
+              <a:rPr lang="en-US" altLang="ko-KR" dirty="0">
+                <a:solidFill>
+                  <a:sysClr val="windowText" lastClr="000000"/>
+                </a:solidFill>
+              </a:rPr>
+              <a:t>3</a:t>
+            </a:r>
+            <a:r>
+              <a:rPr lang="ko-KR" altLang="en-US" dirty="0" smtClean="0">
+                <a:solidFill>
+                  <a:sysClr val="windowText" lastClr="000000"/>
+                </a:solidFill>
+              </a:rPr>
+              <a:t>번</a:t>
+            </a:r>
+            <a:endParaRPr lang="ko-KR" altLang="en-US" dirty="0">
+              <a:solidFill>
+                <a:sysClr val="windowText" lastClr="000000"/>
+              </a:solidFill>
+            </a:endParaRPr>
+          </a:p>
+        </p:txBody>
+      </p:sp>
+      <p:sp>
+        <p:nvSpPr>
+          <p:cNvPr id="42" name="직사각형 41"/>
+          <p:cNvSpPr/>
+          <p:nvPr/>
+        </p:nvSpPr>
+        <p:spPr>
+          <a:xfrm>
+            <a:off x="2242501" y="371190"/>
+            <a:ext cx="5360638" cy="3232276"/>
+          </a:xfrm>
+          <a:prstGeom prst="rect">
+            <a:avLst/>
+          </a:prstGeom>
+          <a:noFill/>
+        </p:spPr>
+        <p:style>
+          <a:lnRef idx="2">
+            <a:schemeClr val="accent1">
+              <a:shade val="50000"/>
+            </a:schemeClr>
+          </a:lnRef>
+          <a:fillRef idx="1">
+            <a:schemeClr val="accent1"/>
+          </a:fillRef>
+          <a:effectRef idx="0">
+            <a:schemeClr val="accent1"/>
+          </a:effectRef>
+          <a:fontRef idx="minor">
+            <a:schemeClr val="lt1"/>
+          </a:fontRef>
+        </p:style>
+        <p:txBody>
+          <a:bodyPr rtlCol="0" anchor="ctr"/>
+          <a:lstStyle/>
+          <a:p>
+            <a:pPr algn="ctr"/>
+            <a:endParaRPr lang="ko-KR" altLang="en-US"/>
+          </a:p>
+        </p:txBody>
+      </p:sp>
+      <p:sp>
+        <p:nvSpPr>
+          <p:cNvPr id="74" name="직사각형 73"/>
+          <p:cNvSpPr/>
+          <p:nvPr/>
+        </p:nvSpPr>
+        <p:spPr>
+          <a:xfrm>
+            <a:off x="5427196" y="3054786"/>
+            <a:ext cx="2175943" cy="548680"/>
+          </a:xfrm>
+          <a:prstGeom prst="rect">
+            <a:avLst/>
+          </a:prstGeom>
+          <a:solidFill>
+            <a:schemeClr val="bg1"/>
+          </a:solidFill>
+        </p:spPr>
+        <p:style>
+          <a:lnRef idx="2">
+            <a:schemeClr val="accent1">
+              <a:shade val="50000"/>
+            </a:schemeClr>
+          </a:lnRef>
+          <a:fillRef idx="1">
+            <a:schemeClr val="accent1"/>
+          </a:fillRef>
+          <a:effectRef idx="0">
+            <a:schemeClr val="accent1"/>
+          </a:effectRef>
+          <a:fontRef idx="minor">
+            <a:schemeClr val="lt1"/>
+          </a:fontRef>
+        </p:style>
+        <p:txBody>
+          <a:bodyPr rtlCol="0" anchor="ctr"/>
+          <a:lstStyle/>
+          <a:p>
+            <a:pPr algn="ctr"/>
+            <a:r>
+              <a:rPr lang="ko-KR" altLang="en-US" dirty="0" smtClean="0">
+                <a:solidFill>
+                  <a:sysClr val="windowText" lastClr="000000"/>
+                </a:solidFill>
+              </a:rPr>
+              <a:t>직접 조작 가능</a:t>
+            </a:r>
+            <a:endParaRPr lang="en-US" altLang="ko-KR" dirty="0" smtClean="0">
+              <a:solidFill>
+                <a:sysClr val="windowText" lastClr="000000"/>
+              </a:solidFill>
+            </a:endParaRPr>
+          </a:p>
+        </p:txBody>
+      </p:sp>
+    </p:spTree>
+    <p:extLst>
+      <p:ext uri="{BB962C8B-B14F-4D97-AF65-F5344CB8AC3E}">
+        <p14:creationId xmlns:p14="http://schemas.microsoft.com/office/powerpoint/2010/main" val="1842763718"/>
+      </p:ext>
+    </p:extLst>
+  </p:cSld>
+  <p:clrMapOvr>
+    <a:masterClrMapping/>
+  </p:clrMapOvr>
+</p:sld>
+</file>
+
 <file path=ppt/theme/theme1.xml><?xml version="1.0" encoding="utf-8"?>
 <a:theme xmlns:a="http://schemas.openxmlformats.org/drawingml/2006/main" name="Office 테마">
   <a:themeElements>
